--- a/Which Banks To Rob.pptx
+++ b/Which Banks To Rob.pptx
@@ -133,6 +133,9 @@
           </p14:sldIdLst>
         </p14:section>
       </p14:sectionLst>
+    </p:ext>
+    <p:ext uri="{EFAFB233-063F-42B5-8137-9DF3F51BA10A}">
+      <p15:sldGuideLst xmlns:p15="http://schemas.microsoft.com/office/powerpoint/2012/main"/>
     </p:ext>
   </p:extLst>
 </p:presentation>
@@ -4483,6 +4486,42 @@
             </a:r>
           </a:p>
           <a:p>
+            <a:r>
+              <a:rPr lang="en-US" sz="3200" dirty="0">
+                <a:hlinkClick r:id="rId2"/>
+              </a:rPr>
+              <a:t>https://github.com/hhalim/TargetBanks</a:t>
+            </a:r>
+            <a:r>
+              <a:rPr lang="en-US" sz="3200" dirty="0" smtClean="0">
+                <a:hlinkClick r:id="rId2"/>
+              </a:rPr>
+              <a:t>/</a:t>
+            </a:r>
+            <a:endParaRPr lang="en-US" sz="3200" dirty="0" smtClean="0"/>
+          </a:p>
+          <a:p>
+            <a:r>
+              <a:rPr lang="en-US" sz="3200">
+                <a:hlinkClick r:id="rId3"/>
+              </a:rPr>
+              <a:t>https</a:t>
+            </a:r>
+            <a:r>
+              <a:rPr lang="en-US" sz="3200">
+                <a:hlinkClick r:id="rId3"/>
+              </a:rPr>
+              <a:t>://</a:t>
+            </a:r>
+            <a:r>
+              <a:rPr lang="en-US" sz="3200" smtClean="0">
+                <a:hlinkClick r:id="rId3"/>
+              </a:rPr>
+              <a:t>github.com/hhalim/TargetBanksJupyter</a:t>
+            </a:r>
+            <a:endParaRPr lang="en-US" sz="3200" smtClean="0"/>
+          </a:p>
+          <a:p>
             <a:endParaRPr lang="en-US" sz="3200" dirty="0"/>
           </a:p>
         </p:txBody>

--- a/Which Banks To Rob.pptx
+++ b/Which Banks To Rob.pptx
@@ -4,18 +4,28 @@
   <p:sldMasterIdLst>
     <p:sldMasterId id="2147483693" r:id="rId1"/>
   </p:sldMasterIdLst>
+  <p:notesMasterIdLst>
+    <p:notesMasterId r:id="rId20"/>
+  </p:notesMasterIdLst>
   <p:sldIdLst>
     <p:sldId id="256" r:id="rId2"/>
-    <p:sldId id="257" r:id="rId3"/>
-    <p:sldId id="258" r:id="rId4"/>
-    <p:sldId id="260" r:id="rId5"/>
-    <p:sldId id="263" r:id="rId6"/>
-    <p:sldId id="259" r:id="rId7"/>
+    <p:sldId id="258" r:id="rId3"/>
+    <p:sldId id="257" r:id="rId4"/>
+    <p:sldId id="267" r:id="rId5"/>
+    <p:sldId id="260" r:id="rId6"/>
+    <p:sldId id="263" r:id="rId7"/>
     <p:sldId id="262" r:id="rId8"/>
-    <p:sldId id="261" r:id="rId9"/>
-    <p:sldId id="264" r:id="rId10"/>
-    <p:sldId id="265" r:id="rId11"/>
-    <p:sldId id="266" r:id="rId12"/>
+    <p:sldId id="268" r:id="rId9"/>
+    <p:sldId id="261" r:id="rId10"/>
+    <p:sldId id="270" r:id="rId11"/>
+    <p:sldId id="264" r:id="rId12"/>
+    <p:sldId id="265" r:id="rId13"/>
+    <p:sldId id="266" r:id="rId14"/>
+    <p:sldId id="272" r:id="rId15"/>
+    <p:sldId id="273" r:id="rId16"/>
+    <p:sldId id="274" r:id="rId17"/>
+    <p:sldId id="269" r:id="rId18"/>
+    <p:sldId id="271" r:id="rId19"/>
   </p:sldIdLst>
   <p:sldSz cx="12192000" cy="6858000"/>
   <p:notesSz cx="6858000" cy="9144000"/>
@@ -120,16 +130,23 @@
         <p14:section name="Default Section" id="{5F6CB740-727A-4ADE-AE50-F0F7CD1C134B}">
           <p14:sldIdLst>
             <p14:sldId id="256"/>
+            <p14:sldId id="258"/>
             <p14:sldId id="257"/>
-            <p14:sldId id="258"/>
+            <p14:sldId id="267"/>
             <p14:sldId id="260"/>
             <p14:sldId id="263"/>
-            <p14:sldId id="259"/>
             <p14:sldId id="262"/>
+            <p14:sldId id="268"/>
             <p14:sldId id="261"/>
+            <p14:sldId id="270"/>
             <p14:sldId id="264"/>
             <p14:sldId id="265"/>
             <p14:sldId id="266"/>
+            <p14:sldId id="272"/>
+            <p14:sldId id="273"/>
+            <p14:sldId id="274"/>
+            <p14:sldId id="269"/>
+            <p14:sldId id="271"/>
           </p14:sldIdLst>
         </p14:section>
       </p14:sectionLst>
@@ -139,6 +156,450 @@
     </p:ext>
   </p:extLst>
 </p:presentation>
+</file>
+
+<file path=ppt/notesMasters/notesMaster1.xml><?xml version="1.0" encoding="utf-8"?>
+<p:notesMaster xmlns:a="http://schemas.openxmlformats.org/drawingml/2006/main" xmlns:r="http://schemas.openxmlformats.org/officeDocument/2006/relationships" xmlns:p="http://schemas.openxmlformats.org/presentationml/2006/main">
+  <p:cSld>
+    <p:bg>
+      <p:bgRef idx="1001">
+        <a:schemeClr val="bg1"/>
+      </p:bgRef>
+    </p:bg>
+    <p:spTree>
+      <p:nvGrpSpPr>
+        <p:cNvPr id="1" name=""/>
+        <p:cNvGrpSpPr/>
+        <p:nvPr/>
+      </p:nvGrpSpPr>
+      <p:grpSpPr>
+        <a:xfrm>
+          <a:off x="0" y="0"/>
+          <a:ext cx="0" cy="0"/>
+          <a:chOff x="0" y="0"/>
+          <a:chExt cx="0" cy="0"/>
+        </a:xfrm>
+      </p:grpSpPr>
+      <p:sp>
+        <p:nvSpPr>
+          <p:cNvPr id="2" name="Header Placeholder 1"/>
+          <p:cNvSpPr>
+            <a:spLocks noGrp="1"/>
+          </p:cNvSpPr>
+          <p:nvPr>
+            <p:ph type="hdr" sz="quarter"/>
+          </p:nvPr>
+        </p:nvSpPr>
+        <p:spPr>
+          <a:xfrm>
+            <a:off x="0" y="0"/>
+            <a:ext cx="2971800" cy="458788"/>
+          </a:xfrm>
+          <a:prstGeom prst="rect">
+            <a:avLst/>
+          </a:prstGeom>
+        </p:spPr>
+        <p:txBody>
+          <a:bodyPr vert="horz" lIns="91440" tIns="45720" rIns="91440" bIns="45720" rtlCol="0"/>
+          <a:lstStyle>
+            <a:lvl1pPr algn="l">
+              <a:defRPr sz="1200"/>
+            </a:lvl1pPr>
+          </a:lstStyle>
+          <a:p>
+            <a:endParaRPr lang="en-US"/>
+          </a:p>
+        </p:txBody>
+      </p:sp>
+      <p:sp>
+        <p:nvSpPr>
+          <p:cNvPr id="3" name="Date Placeholder 2"/>
+          <p:cNvSpPr>
+            <a:spLocks noGrp="1"/>
+          </p:cNvSpPr>
+          <p:nvPr>
+            <p:ph type="dt" idx="1"/>
+          </p:nvPr>
+        </p:nvSpPr>
+        <p:spPr>
+          <a:xfrm>
+            <a:off x="3884613" y="0"/>
+            <a:ext cx="2971800" cy="458788"/>
+          </a:xfrm>
+          <a:prstGeom prst="rect">
+            <a:avLst/>
+          </a:prstGeom>
+        </p:spPr>
+        <p:txBody>
+          <a:bodyPr vert="horz" lIns="91440" tIns="45720" rIns="91440" bIns="45720" rtlCol="0"/>
+          <a:lstStyle>
+            <a:lvl1pPr algn="r">
+              <a:defRPr sz="1200"/>
+            </a:lvl1pPr>
+          </a:lstStyle>
+          <a:p>
+            <a:fld id="{5FF57EF7-F925-434A-A03C-F55AA5FC4E4F}" type="datetimeFigureOut">
+              <a:rPr lang="en-US" smtClean="0"/>
+              <a:t>3/28/2018</a:t>
+            </a:fld>
+            <a:endParaRPr lang="en-US"/>
+          </a:p>
+        </p:txBody>
+      </p:sp>
+      <p:sp>
+        <p:nvSpPr>
+          <p:cNvPr id="4" name="Slide Image Placeholder 3"/>
+          <p:cNvSpPr>
+            <a:spLocks noGrp="1" noRot="1" noChangeAspect="1"/>
+          </p:cNvSpPr>
+          <p:nvPr>
+            <p:ph type="sldImg" idx="2"/>
+          </p:nvPr>
+        </p:nvSpPr>
+        <p:spPr>
+          <a:xfrm>
+            <a:off x="685800" y="1143000"/>
+            <a:ext cx="5486400" cy="3086100"/>
+          </a:xfrm>
+          <a:prstGeom prst="rect">
+            <a:avLst/>
+          </a:prstGeom>
+          <a:noFill/>
+          <a:ln w="12700">
+            <a:solidFill>
+              <a:prstClr val="black"/>
+            </a:solidFill>
+          </a:ln>
+        </p:spPr>
+        <p:txBody>
+          <a:bodyPr vert="horz" lIns="91440" tIns="45720" rIns="91440" bIns="45720" rtlCol="0" anchor="ctr"/>
+          <a:lstStyle/>
+          <a:p>
+            <a:endParaRPr lang="en-US"/>
+          </a:p>
+        </p:txBody>
+      </p:sp>
+      <p:sp>
+        <p:nvSpPr>
+          <p:cNvPr id="5" name="Notes Placeholder 4"/>
+          <p:cNvSpPr>
+            <a:spLocks noGrp="1"/>
+          </p:cNvSpPr>
+          <p:nvPr>
+            <p:ph type="body" sz="quarter" idx="3"/>
+          </p:nvPr>
+        </p:nvSpPr>
+        <p:spPr>
+          <a:xfrm>
+            <a:off x="685800" y="4400550"/>
+            <a:ext cx="5486400" cy="3600450"/>
+          </a:xfrm>
+          <a:prstGeom prst="rect">
+            <a:avLst/>
+          </a:prstGeom>
+        </p:spPr>
+        <p:txBody>
+          <a:bodyPr vert="horz" lIns="91440" tIns="45720" rIns="91440" bIns="45720" rtlCol="0"/>
+          <a:lstStyle/>
+          <a:p>
+            <a:pPr lvl="0"/>
+            <a:r>
+              <a:rPr lang="en-US" smtClean="0"/>
+              <a:t>Click to edit Master text styles</a:t>
+            </a:r>
+          </a:p>
+          <a:p>
+            <a:pPr lvl="1"/>
+            <a:r>
+              <a:rPr lang="en-US" smtClean="0"/>
+              <a:t>Second level</a:t>
+            </a:r>
+          </a:p>
+          <a:p>
+            <a:pPr lvl="2"/>
+            <a:r>
+              <a:rPr lang="en-US" smtClean="0"/>
+              <a:t>Third level</a:t>
+            </a:r>
+          </a:p>
+          <a:p>
+            <a:pPr lvl="3"/>
+            <a:r>
+              <a:rPr lang="en-US" smtClean="0"/>
+              <a:t>Fourth level</a:t>
+            </a:r>
+          </a:p>
+          <a:p>
+            <a:pPr lvl="4"/>
+            <a:r>
+              <a:rPr lang="en-US" smtClean="0"/>
+              <a:t>Fifth level</a:t>
+            </a:r>
+            <a:endParaRPr lang="en-US"/>
+          </a:p>
+        </p:txBody>
+      </p:sp>
+      <p:sp>
+        <p:nvSpPr>
+          <p:cNvPr id="6" name="Footer Placeholder 5"/>
+          <p:cNvSpPr>
+            <a:spLocks noGrp="1"/>
+          </p:cNvSpPr>
+          <p:nvPr>
+            <p:ph type="ftr" sz="quarter" idx="4"/>
+          </p:nvPr>
+        </p:nvSpPr>
+        <p:spPr>
+          <a:xfrm>
+            <a:off x="0" y="8685213"/>
+            <a:ext cx="2971800" cy="458787"/>
+          </a:xfrm>
+          <a:prstGeom prst="rect">
+            <a:avLst/>
+          </a:prstGeom>
+        </p:spPr>
+        <p:txBody>
+          <a:bodyPr vert="horz" lIns="91440" tIns="45720" rIns="91440" bIns="45720" rtlCol="0" anchor="b"/>
+          <a:lstStyle>
+            <a:lvl1pPr algn="l">
+              <a:defRPr sz="1200"/>
+            </a:lvl1pPr>
+          </a:lstStyle>
+          <a:p>
+            <a:endParaRPr lang="en-US"/>
+          </a:p>
+        </p:txBody>
+      </p:sp>
+      <p:sp>
+        <p:nvSpPr>
+          <p:cNvPr id="7" name="Slide Number Placeholder 6"/>
+          <p:cNvSpPr>
+            <a:spLocks noGrp="1"/>
+          </p:cNvSpPr>
+          <p:nvPr>
+            <p:ph type="sldNum" sz="quarter" idx="5"/>
+          </p:nvPr>
+        </p:nvSpPr>
+        <p:spPr>
+          <a:xfrm>
+            <a:off x="3884613" y="8685213"/>
+            <a:ext cx="2971800" cy="458787"/>
+          </a:xfrm>
+          <a:prstGeom prst="rect">
+            <a:avLst/>
+          </a:prstGeom>
+        </p:spPr>
+        <p:txBody>
+          <a:bodyPr vert="horz" lIns="91440" tIns="45720" rIns="91440" bIns="45720" rtlCol="0" anchor="b"/>
+          <a:lstStyle>
+            <a:lvl1pPr algn="r">
+              <a:defRPr sz="1200"/>
+            </a:lvl1pPr>
+          </a:lstStyle>
+          <a:p>
+            <a:fld id="{033A75EC-E8A5-4EF8-B870-FB3FB721F84C}" type="slidenum">
+              <a:rPr lang="en-US" smtClean="0"/>
+              <a:t>‹#›</a:t>
+            </a:fld>
+            <a:endParaRPr lang="en-US"/>
+          </a:p>
+        </p:txBody>
+      </p:sp>
+    </p:spTree>
+    <p:extLst>
+      <p:ext uri="{BB962C8B-B14F-4D97-AF65-F5344CB8AC3E}">
+        <p14:creationId xmlns:p14="http://schemas.microsoft.com/office/powerpoint/2010/main" val="1914614452"/>
+      </p:ext>
+    </p:extLst>
+  </p:cSld>
+  <p:clrMap bg1="lt1" tx1="dk1" bg2="lt2" tx2="dk2" accent1="accent1" accent2="accent2" accent3="accent3" accent4="accent4" accent5="accent5" accent6="accent6" hlink="hlink" folHlink="folHlink"/>
+  <p:notesStyle>
+    <a:lvl1pPr marL="0" algn="l" defTabSz="914400" rtl="0" eaLnBrk="1" latinLnBrk="0" hangingPunct="1">
+      <a:defRPr sz="1200" kern="1200">
+        <a:solidFill>
+          <a:schemeClr val="tx1"/>
+        </a:solidFill>
+        <a:latin typeface="+mn-lt"/>
+        <a:ea typeface="+mn-ea"/>
+        <a:cs typeface="+mn-cs"/>
+      </a:defRPr>
+    </a:lvl1pPr>
+    <a:lvl2pPr marL="457200" algn="l" defTabSz="914400" rtl="0" eaLnBrk="1" latinLnBrk="0" hangingPunct="1">
+      <a:defRPr sz="1200" kern="1200">
+        <a:solidFill>
+          <a:schemeClr val="tx1"/>
+        </a:solidFill>
+        <a:latin typeface="+mn-lt"/>
+        <a:ea typeface="+mn-ea"/>
+        <a:cs typeface="+mn-cs"/>
+      </a:defRPr>
+    </a:lvl2pPr>
+    <a:lvl3pPr marL="914400" algn="l" defTabSz="914400" rtl="0" eaLnBrk="1" latinLnBrk="0" hangingPunct="1">
+      <a:defRPr sz="1200" kern="1200">
+        <a:solidFill>
+          <a:schemeClr val="tx1"/>
+        </a:solidFill>
+        <a:latin typeface="+mn-lt"/>
+        <a:ea typeface="+mn-ea"/>
+        <a:cs typeface="+mn-cs"/>
+      </a:defRPr>
+    </a:lvl3pPr>
+    <a:lvl4pPr marL="1371600" algn="l" defTabSz="914400" rtl="0" eaLnBrk="1" latinLnBrk="0" hangingPunct="1">
+      <a:defRPr sz="1200" kern="1200">
+        <a:solidFill>
+          <a:schemeClr val="tx1"/>
+        </a:solidFill>
+        <a:latin typeface="+mn-lt"/>
+        <a:ea typeface="+mn-ea"/>
+        <a:cs typeface="+mn-cs"/>
+      </a:defRPr>
+    </a:lvl4pPr>
+    <a:lvl5pPr marL="1828800" algn="l" defTabSz="914400" rtl="0" eaLnBrk="1" latinLnBrk="0" hangingPunct="1">
+      <a:defRPr sz="1200" kern="1200">
+        <a:solidFill>
+          <a:schemeClr val="tx1"/>
+        </a:solidFill>
+        <a:latin typeface="+mn-lt"/>
+        <a:ea typeface="+mn-ea"/>
+        <a:cs typeface="+mn-cs"/>
+      </a:defRPr>
+    </a:lvl5pPr>
+    <a:lvl6pPr marL="2286000" algn="l" defTabSz="914400" rtl="0" eaLnBrk="1" latinLnBrk="0" hangingPunct="1">
+      <a:defRPr sz="1200" kern="1200">
+        <a:solidFill>
+          <a:schemeClr val="tx1"/>
+        </a:solidFill>
+        <a:latin typeface="+mn-lt"/>
+        <a:ea typeface="+mn-ea"/>
+        <a:cs typeface="+mn-cs"/>
+      </a:defRPr>
+    </a:lvl6pPr>
+    <a:lvl7pPr marL="2743200" algn="l" defTabSz="914400" rtl="0" eaLnBrk="1" latinLnBrk="0" hangingPunct="1">
+      <a:defRPr sz="1200" kern="1200">
+        <a:solidFill>
+          <a:schemeClr val="tx1"/>
+        </a:solidFill>
+        <a:latin typeface="+mn-lt"/>
+        <a:ea typeface="+mn-ea"/>
+        <a:cs typeface="+mn-cs"/>
+      </a:defRPr>
+    </a:lvl7pPr>
+    <a:lvl8pPr marL="3200400" algn="l" defTabSz="914400" rtl="0" eaLnBrk="1" latinLnBrk="0" hangingPunct="1">
+      <a:defRPr sz="1200" kern="1200">
+        <a:solidFill>
+          <a:schemeClr val="tx1"/>
+        </a:solidFill>
+        <a:latin typeface="+mn-lt"/>
+        <a:ea typeface="+mn-ea"/>
+        <a:cs typeface="+mn-cs"/>
+      </a:defRPr>
+    </a:lvl8pPr>
+    <a:lvl9pPr marL="3657600" algn="l" defTabSz="914400" rtl="0" eaLnBrk="1" latinLnBrk="0" hangingPunct="1">
+      <a:defRPr sz="1200" kern="1200">
+        <a:solidFill>
+          <a:schemeClr val="tx1"/>
+        </a:solidFill>
+        <a:latin typeface="+mn-lt"/>
+        <a:ea typeface="+mn-ea"/>
+        <a:cs typeface="+mn-cs"/>
+      </a:defRPr>
+    </a:lvl9pPr>
+  </p:notesStyle>
+</p:notesMaster>
+</file>
+
+<file path=ppt/notesSlides/notesSlide1.xml><?xml version="1.0" encoding="utf-8"?>
+<p:notes xmlns:a="http://schemas.openxmlformats.org/drawingml/2006/main" xmlns:r="http://schemas.openxmlformats.org/officeDocument/2006/relationships" xmlns:p="http://schemas.openxmlformats.org/presentationml/2006/main">
+  <p:cSld>
+    <p:spTree>
+      <p:nvGrpSpPr>
+        <p:cNvPr id="1" name=""/>
+        <p:cNvGrpSpPr/>
+        <p:nvPr/>
+      </p:nvGrpSpPr>
+      <p:grpSpPr>
+        <a:xfrm>
+          <a:off x="0" y="0"/>
+          <a:ext cx="0" cy="0"/>
+          <a:chOff x="0" y="0"/>
+          <a:chExt cx="0" cy="0"/>
+        </a:xfrm>
+      </p:grpSpPr>
+      <p:sp>
+        <p:nvSpPr>
+          <p:cNvPr id="2" name="Slide Image Placeholder 1"/>
+          <p:cNvSpPr>
+            <a:spLocks noGrp="1" noRot="1" noChangeAspect="1"/>
+          </p:cNvSpPr>
+          <p:nvPr>
+            <p:ph type="sldImg"/>
+          </p:nvPr>
+        </p:nvSpPr>
+        <p:spPr/>
+      </p:sp>
+      <p:sp>
+        <p:nvSpPr>
+          <p:cNvPr id="3" name="Notes Placeholder 2"/>
+          <p:cNvSpPr>
+            <a:spLocks noGrp="1"/>
+          </p:cNvSpPr>
+          <p:nvPr>
+            <p:ph type="body" idx="1"/>
+          </p:nvPr>
+        </p:nvSpPr>
+        <p:spPr/>
+        <p:txBody>
+          <a:bodyPr/>
+          <a:lstStyle/>
+          <a:p>
+            <a:r>
+              <a:rPr lang="en-US" dirty="0" smtClean="0"/>
+              <a:t>From FDIC website, first line: Austin Bank,</a:t>
+            </a:r>
+            <a:r>
+              <a:rPr lang="en-US" baseline="0" dirty="0" smtClean="0"/>
+              <a:t> Frankston</a:t>
+            </a:r>
+          </a:p>
+          <a:p>
+            <a:endParaRPr lang="en-US" baseline="0" dirty="0" smtClean="0"/>
+          </a:p>
+        </p:txBody>
+      </p:sp>
+      <p:sp>
+        <p:nvSpPr>
+          <p:cNvPr id="4" name="Slide Number Placeholder 3"/>
+          <p:cNvSpPr>
+            <a:spLocks noGrp="1"/>
+          </p:cNvSpPr>
+          <p:nvPr>
+            <p:ph type="sldNum" sz="quarter" idx="10"/>
+          </p:nvPr>
+        </p:nvSpPr>
+        <p:spPr/>
+        <p:txBody>
+          <a:bodyPr/>
+          <a:lstStyle/>
+          <a:p>
+            <a:fld id="{033A75EC-E8A5-4EF8-B870-FB3FB721F84C}" type="slidenum">
+              <a:rPr lang="en-US" smtClean="0"/>
+              <a:t>8</a:t>
+            </a:fld>
+            <a:endParaRPr lang="en-US"/>
+          </a:p>
+        </p:txBody>
+      </p:sp>
+    </p:spTree>
+    <p:extLst>
+      <p:ext uri="{BB962C8B-B14F-4D97-AF65-F5344CB8AC3E}">
+        <p14:creationId xmlns:p14="http://schemas.microsoft.com/office/powerpoint/2010/main" val="49934659"/>
+      </p:ext>
+    </p:extLst>
+  </p:cSld>
+  <p:clrMapOvr>
+    <a:masterClrMapping/>
+  </p:clrMapOvr>
+</p:notes>
 </file>
 
 <file path=ppt/slideLayouts/slideLayout1.xml><?xml version="1.0" encoding="utf-8"?>
@@ -368,7 +829,7 @@
             <a:fld id="{B61BEF0D-F0BB-DE4B-95CE-6DB70DBA9567}" type="datetimeFigureOut">
               <a:rPr lang="en-US" smtClean="0"/>
               <a:pPr/>
-              <a:t>3/27/2018</a:t>
+              <a:t>3/28/2018</a:t>
             </a:fld>
             <a:endParaRPr lang="en-US" dirty="0"/>
           </a:p>
@@ -578,7 +1039,7 @@
             <a:fld id="{B61BEF0D-F0BB-DE4B-95CE-6DB70DBA9567}" type="datetimeFigureOut">
               <a:rPr lang="en-US" smtClean="0"/>
               <a:pPr/>
-              <a:t>3/27/2018</a:t>
+              <a:t>3/28/2018</a:t>
             </a:fld>
             <a:endParaRPr lang="en-US" dirty="0"/>
           </a:p>
@@ -836,7 +1297,7 @@
             <a:fld id="{B61BEF0D-F0BB-DE4B-95CE-6DB70DBA9567}" type="datetimeFigureOut">
               <a:rPr lang="en-US" smtClean="0"/>
               <a:pPr/>
-              <a:t>3/27/2018</a:t>
+              <a:t>3/28/2018</a:t>
             </a:fld>
             <a:endParaRPr lang="en-US" dirty="0"/>
           </a:p>
@@ -1008,7 +1469,7 @@
             <a:fld id="{B61BEF0D-F0BB-DE4B-95CE-6DB70DBA9567}" type="datetimeFigureOut">
               <a:rPr lang="en-US" smtClean="0"/>
               <a:pPr/>
-              <a:t>3/27/2018</a:t>
+              <a:t>3/28/2018</a:t>
             </a:fld>
             <a:endParaRPr lang="en-US" dirty="0"/>
           </a:p>
@@ -1353,7 +1814,7 @@
             <a:fld id="{B61BEF0D-F0BB-DE4B-95CE-6DB70DBA9567}" type="datetimeFigureOut">
               <a:rPr lang="en-US" smtClean="0"/>
               <a:pPr/>
-              <a:t>3/27/2018</a:t>
+              <a:t>3/28/2018</a:t>
             </a:fld>
             <a:endParaRPr lang="en-US" dirty="0"/>
           </a:p>
@@ -1630,7 +2091,7 @@
             <a:fld id="{B61BEF0D-F0BB-DE4B-95CE-6DB70DBA9567}" type="datetimeFigureOut">
               <a:rPr lang="en-US" smtClean="0"/>
               <a:pPr/>
-              <a:t>3/27/2018</a:t>
+              <a:t>3/28/2018</a:t>
             </a:fld>
             <a:endParaRPr lang="en-US" dirty="0"/>
           </a:p>
@@ -2011,7 +2472,7 @@
             <a:fld id="{B61BEF0D-F0BB-DE4B-95CE-6DB70DBA9567}" type="datetimeFigureOut">
               <a:rPr lang="en-US" smtClean="0"/>
               <a:pPr/>
-              <a:t>3/27/2018</a:t>
+              <a:t>3/28/2018</a:t>
             </a:fld>
             <a:endParaRPr lang="en-US" dirty="0"/>
           </a:p>
@@ -2131,7 +2592,7 @@
             <a:fld id="{B61BEF0D-F0BB-DE4B-95CE-6DB70DBA9567}" type="datetimeFigureOut">
               <a:rPr lang="en-US" smtClean="0"/>
               <a:pPr/>
-              <a:t>3/27/2018</a:t>
+              <a:t>3/28/2018</a:t>
             </a:fld>
             <a:endParaRPr lang="en-US" dirty="0"/>
           </a:p>
@@ -2304,7 +2765,7 @@
             <a:fld id="{B61BEF0D-F0BB-DE4B-95CE-6DB70DBA9567}" type="datetimeFigureOut">
               <a:rPr lang="en-US" smtClean="0"/>
               <a:pPr/>
-              <a:t>3/27/2018</a:t>
+              <a:t>3/28/2018</a:t>
             </a:fld>
             <a:endParaRPr lang="en-US" dirty="0"/>
           </a:p>
@@ -2660,7 +3121,7 @@
             <a:fld id="{B61BEF0D-F0BB-DE4B-95CE-6DB70DBA9567}" type="datetimeFigureOut">
               <a:rPr lang="en-US" smtClean="0"/>
               <a:pPr/>
-              <a:t>3/27/2018</a:t>
+              <a:t>3/28/2018</a:t>
             </a:fld>
             <a:endParaRPr lang="en-US" dirty="0"/>
           </a:p>
@@ -2937,7 +3398,7 @@
           </a:lstStyle>
           <a:p>
             <a:r>
-              <a:rPr lang="en-US" smtClean="0"/>
+              <a:rPr lang="en-US" dirty="0" smtClean="0"/>
               <a:t>Click icon to add picture</a:t>
             </a:r>
             <a:endParaRPr lang="en-US" dirty="0"/>
@@ -3039,7 +3500,7 @@
             <a:fld id="{B61BEF0D-F0BB-DE4B-95CE-6DB70DBA9567}" type="datetimeFigureOut">
               <a:rPr lang="en-US" smtClean="0"/>
               <a:pPr/>
-              <a:t>3/27/2018</a:t>
+              <a:t>3/28/2018</a:t>
             </a:fld>
             <a:endParaRPr lang="en-US" dirty="0"/>
           </a:p>
@@ -3328,7 +3789,7 @@
             <a:fld id="{B61BEF0D-F0BB-DE4B-95CE-6DB70DBA9567}" type="datetimeFigureOut">
               <a:rPr lang="en-US" smtClean="0"/>
               <a:pPr/>
-              <a:t>3/27/2018</a:t>
+              <a:t>3/28/2018</a:t>
             </a:fld>
             <a:endParaRPr lang="en-US" dirty="0"/>
           </a:p>
@@ -3944,7 +4405,7 @@
         </p:blipFill>
         <p:spPr>
           <a:xfrm>
-            <a:off x="9201665" y="2764710"/>
+            <a:off x="7900403" y="2764710"/>
             <a:ext cx="2199502" cy="3305879"/>
           </a:xfrm>
           <a:prstGeom prst="rect">
@@ -3962,6 +4423,13 @@
   <p:clrMapOvr>
     <a:masterClrMapping/>
   </p:clrMapOvr>
+  <p:timing>
+    <p:tnLst>
+      <p:par>
+        <p:cTn id="1" dur="indefinite" restart="never" nodeType="tmRoot"/>
+      </p:par>
+    </p:tnLst>
+  </p:timing>
 </p:sld>
 </file>
 
@@ -3999,7 +4467,7 @@
           <a:p>
             <a:r>
               <a:rPr lang="en-US" dirty="0" smtClean="0"/>
-              <a:t>Supervised Learning Model</a:t>
+              <a:t>Assumptions</a:t>
             </a:r>
             <a:endParaRPr lang="en-US" dirty="0"/>
           </a:p>
@@ -4018,161 +4486,76 @@
         <p:spPr/>
         <p:txBody>
           <a:bodyPr>
-            <a:normAutofit fontScale="92500" lnSpcReduction="10000"/>
+            <a:normAutofit/>
           </a:bodyPr>
           <a:lstStyle/>
           <a:p>
-            <a:r>
-              <a:rPr lang="en-US" sz="2200" dirty="0" smtClean="0"/>
-              <a:t>Created sample 10% data from all the banks data (</a:t>
-            </a:r>
-            <a:r>
-              <a:rPr lang="en-US" sz="2200" dirty="0" err="1" smtClean="0"/>
-              <a:t>sample.sql</a:t>
-            </a:r>
-            <a:r>
-              <a:rPr lang="en-US" sz="2200" dirty="0" smtClean="0"/>
-              <a:t>).</a:t>
-            </a:r>
-          </a:p>
-          <a:p>
-            <a:r>
-              <a:rPr lang="en-US" sz="2200" dirty="0" smtClean="0"/>
-              <a:t>From this sample, use algorithm to decide whether a bank is a vulnerable target or not (target.py).</a:t>
-            </a:r>
-          </a:p>
-          <a:p>
-            <a:r>
-              <a:rPr lang="en-US" sz="2200" dirty="0" smtClean="0"/>
-              <a:t>Classify  1 – 5 based on multiple conditions and $ take/reward.</a:t>
-            </a:r>
-          </a:p>
-          <a:p>
-            <a:r>
-              <a:rPr lang="en-US" sz="2200" dirty="0" smtClean="0"/>
-              <a:t>Some sample formulas:</a:t>
-            </a:r>
-          </a:p>
-          <a:p>
-            <a:r>
-              <a:rPr lang="en-US" sz="2200" dirty="0" smtClean="0"/>
-              <a:t>Police response: </a:t>
-            </a:r>
-            <a:r>
-              <a:rPr lang="en-US" sz="2200" dirty="0" err="1" smtClean="0"/>
-              <a:t>pPoliceResp</a:t>
-            </a:r>
-            <a:r>
-              <a:rPr lang="en-US" sz="2200" dirty="0" smtClean="0"/>
-              <a:t> = </a:t>
-            </a:r>
-            <a:r>
-              <a:rPr lang="en-US" sz="2200" dirty="0"/>
-              <a:t>-0.1 + (0.4 * </a:t>
-            </a:r>
-            <a:r>
-              <a:rPr lang="en-US" sz="2200" dirty="0" err="1"/>
-              <a:t>officersRate</a:t>
-            </a:r>
-            <a:r>
-              <a:rPr lang="en-US" sz="2200" dirty="0" smtClean="0"/>
-              <a:t>)</a:t>
-            </a:r>
-          </a:p>
-          <a:p>
-            <a:r>
-              <a:rPr lang="en-US" sz="2200" dirty="0" smtClean="0"/>
-              <a:t>Civ. </a:t>
-            </a:r>
-            <a:r>
-              <a:rPr lang="en-US" sz="2200" dirty="0"/>
-              <a:t>Armed response: </a:t>
-            </a:r>
-            <a:r>
-              <a:rPr lang="en-US" sz="2200" dirty="0" err="1"/>
-              <a:t>pArmed</a:t>
-            </a:r>
-            <a:r>
-              <a:rPr lang="en-US" sz="2200" dirty="0"/>
-              <a:t> = -0.004444 + (0.0206 * </a:t>
-            </a:r>
-            <a:r>
-              <a:rPr lang="en-US" sz="2200" dirty="0" err="1"/>
-              <a:t>fflCount</a:t>
-            </a:r>
-            <a:r>
-              <a:rPr lang="en-US" sz="2200" dirty="0" smtClean="0"/>
-              <a:t>)</a:t>
-            </a:r>
-          </a:p>
-          <a:p>
-            <a:r>
-              <a:rPr lang="en-US" sz="2200" dirty="0" smtClean="0"/>
-              <a:t>Ratings: </a:t>
-            </a:r>
-            <a:r>
-              <a:rPr lang="en-US" sz="2200" dirty="0" err="1" smtClean="0"/>
-              <a:t>pRating</a:t>
-            </a:r>
-            <a:r>
-              <a:rPr lang="en-US" sz="2200" dirty="0" smtClean="0"/>
-              <a:t> </a:t>
-            </a:r>
-            <a:r>
-              <a:rPr lang="en-US" sz="2200" dirty="0"/>
-              <a:t>= 0 + (0.1 * </a:t>
-            </a:r>
-            <a:r>
-              <a:rPr lang="en-US" sz="2200" dirty="0" err="1"/>
-              <a:t>avgRating</a:t>
-            </a:r>
-            <a:r>
-              <a:rPr lang="en-US" sz="2200" dirty="0" smtClean="0"/>
-              <a:t>)</a:t>
-            </a:r>
-          </a:p>
-          <a:p>
-            <a:r>
-              <a:rPr lang="en-US" sz="2200" dirty="0" smtClean="0"/>
-              <a:t>Probability of Success:</a:t>
-            </a:r>
-          </a:p>
-          <a:p>
-            <a:r>
-              <a:rPr lang="en-US" sz="2200" dirty="0"/>
-              <a:t>1 - (((</a:t>
-            </a:r>
-            <a:r>
-              <a:rPr lang="en-US" sz="2200" dirty="0" err="1"/>
-              <a:t>pDistance</a:t>
-            </a:r>
-            <a:r>
-              <a:rPr lang="en-US" sz="2200" dirty="0"/>
-              <a:t> * 0.75) + (</a:t>
-            </a:r>
-            <a:r>
-              <a:rPr lang="en-US" sz="2200" dirty="0" err="1"/>
-              <a:t>pPoliceResp</a:t>
-            </a:r>
-            <a:r>
-              <a:rPr lang="en-US" sz="2200" dirty="0"/>
-              <a:t> * 0.25)) * 0.65)  - (</a:t>
-            </a:r>
-            <a:r>
-              <a:rPr lang="en-US" sz="2200" dirty="0" err="1"/>
-              <a:t>pArmed</a:t>
-            </a:r>
-            <a:r>
-              <a:rPr lang="en-US" sz="2200" dirty="0"/>
-              <a:t> * 0.20) - (</a:t>
-            </a:r>
-            <a:r>
-              <a:rPr lang="en-US" sz="2200" dirty="0" err="1"/>
-              <a:t>pRating</a:t>
-            </a:r>
-            <a:r>
-              <a:rPr lang="en-US" sz="2200" dirty="0"/>
-              <a:t> * 0.15)</a:t>
+            <a:endParaRPr lang="en-US" sz="2400" dirty="0" smtClean="0"/>
+          </a:p>
+          <a:p>
+            <a:pPr lvl="1">
+              <a:buFont typeface="Wingdings" panose="05000000000000000000" pitchFamily="2" charset="2"/>
+              <a:buChar char="§"/>
+            </a:pPr>
+            <a:r>
+              <a:rPr lang="en-US" sz="2400" dirty="0"/>
+              <a:t>High $$$ amount </a:t>
+            </a:r>
+            <a:r>
+              <a:rPr lang="en-US" sz="2400" dirty="0" smtClean="0"/>
+              <a:t>increases </a:t>
+            </a:r>
+            <a:r>
+              <a:rPr lang="en-US" sz="2400" dirty="0"/>
+              <a:t>the </a:t>
+            </a:r>
+            <a:r>
+              <a:rPr lang="en-US" sz="2400" dirty="0" smtClean="0"/>
+              <a:t>probability of a bank as a </a:t>
+            </a:r>
+            <a:r>
+              <a:rPr lang="en-US" sz="2400" dirty="0"/>
+              <a:t>target.</a:t>
+            </a:r>
+          </a:p>
+          <a:p>
+            <a:pPr lvl="1">
+              <a:buFont typeface="Wingdings" panose="05000000000000000000" pitchFamily="2" charset="2"/>
+              <a:buChar char="§"/>
+            </a:pPr>
+            <a:r>
+              <a:rPr lang="en-US" sz="2400" dirty="0" smtClean="0"/>
+              <a:t>Distance to police stations increases the probability of getting caught.</a:t>
+            </a:r>
+          </a:p>
+          <a:p>
+            <a:pPr lvl="1">
+              <a:buFont typeface="Wingdings" panose="05000000000000000000" pitchFamily="2" charset="2"/>
+              <a:buChar char="§"/>
+            </a:pPr>
+            <a:r>
+              <a:rPr lang="en-US" sz="2400" dirty="0" smtClean="0"/>
+              <a:t>High crime rate reduces response time by police officers.</a:t>
+            </a:r>
+          </a:p>
+          <a:p>
+            <a:pPr lvl="1">
+              <a:buFont typeface="Wingdings" panose="05000000000000000000" pitchFamily="2" charset="2"/>
+              <a:buChar char="§"/>
+            </a:pPr>
+            <a:r>
+              <a:rPr lang="en-US" sz="2400" dirty="0" smtClean="0"/>
+              <a:t>Armed civilians may interfere during robbery, reduces probability of success.</a:t>
+            </a:r>
+          </a:p>
+          <a:p>
+            <a:pPr lvl="1">
+              <a:buFont typeface="Wingdings" panose="05000000000000000000" pitchFamily="2" charset="2"/>
+              <a:buChar char="§"/>
+            </a:pPr>
+            <a:r>
+              <a:rPr lang="en-US" sz="2400" dirty="0" smtClean="0"/>
+              <a:t>More officers increase the ability to intercept robbers.</a:t>
             </a:r>
           </a:p>
         </p:txBody>
@@ -4180,13 +4563,20 @@
     </p:spTree>
     <p:extLst>
       <p:ext uri="{BB962C8B-B14F-4D97-AF65-F5344CB8AC3E}">
-        <p14:creationId xmlns:p14="http://schemas.microsoft.com/office/powerpoint/2010/main" val="2424636010"/>
+        <p14:creationId xmlns:p14="http://schemas.microsoft.com/office/powerpoint/2010/main" val="3708398282"/>
       </p:ext>
     </p:extLst>
   </p:cSld>
   <p:clrMapOvr>
     <a:masterClrMapping/>
   </p:clrMapOvr>
+  <p:timing>
+    <p:tnLst>
+      <p:par>
+        <p:cTn id="1" dur="indefinite" restart="never" nodeType="tmRoot"/>
+      </p:par>
+    </p:tnLst>
+  </p:timing>
 </p:sld>
 </file>
 
@@ -4224,11 +4614,7 @@
           <a:p>
             <a:r>
               <a:rPr lang="en-US" dirty="0" smtClean="0"/>
-              <a:t>Train </a:t>
-            </a:r>
-            <a:r>
-              <a:rPr lang="en-US" smtClean="0"/>
-              <a:t>Machine Learning Models</a:t>
+              <a:t>Data Cleaning, Imputation, Features</a:t>
             </a:r>
             <a:endParaRPr lang="en-US" dirty="0"/>
           </a:p>
@@ -4242,6 +4628,185 @@
           </p:cNvSpPr>
           <p:nvPr>
             <p:ph idx="1"/>
+          </p:nvPr>
+        </p:nvSpPr>
+        <p:spPr>
+          <a:xfrm>
+            <a:off x="1097280" y="1845733"/>
+            <a:ext cx="10058400" cy="4337017"/>
+          </a:xfrm>
+        </p:spPr>
+        <p:txBody>
+          <a:bodyPr>
+            <a:noAutofit/>
+          </a:bodyPr>
+          <a:lstStyle/>
+          <a:p>
+            <a:r>
+              <a:rPr lang="en-US" sz="2400" dirty="0" smtClean="0"/>
+              <a:t>Manually remove </a:t>
+            </a:r>
+            <a:r>
+              <a:rPr lang="en-US" sz="2400" dirty="0" smtClean="0"/>
+              <a:t>duplicates, </a:t>
+            </a:r>
+            <a:r>
+              <a:rPr lang="en-US" sz="2400" dirty="0" smtClean="0"/>
+              <a:t>fill </a:t>
+            </a:r>
+            <a:r>
+              <a:rPr lang="en-US" sz="2400" dirty="0" smtClean="0"/>
+              <a:t>in some missing </a:t>
+            </a:r>
+            <a:r>
+              <a:rPr lang="en-US" sz="2400" dirty="0" smtClean="0"/>
+              <a:t>data, fix </a:t>
+            </a:r>
+            <a:r>
+              <a:rPr lang="en-US" sz="2400" dirty="0" smtClean="0"/>
+              <a:t>wrong addresses.</a:t>
+            </a:r>
+          </a:p>
+          <a:p>
+            <a:r>
+              <a:rPr lang="en-US" sz="2400" dirty="0" smtClean="0"/>
+              <a:t>Get latitude </a:t>
+            </a:r>
+            <a:r>
+              <a:rPr lang="en-US" sz="2400" dirty="0" smtClean="0"/>
+              <a:t>and longitude data using Google map API</a:t>
+            </a:r>
+            <a:r>
+              <a:rPr lang="en-US" sz="2400" dirty="0" smtClean="0"/>
+              <a:t>.</a:t>
+            </a:r>
+          </a:p>
+          <a:p>
+            <a:r>
+              <a:rPr lang="en-US" sz="2400" dirty="0" smtClean="0"/>
+              <a:t>Add Features:</a:t>
+            </a:r>
+          </a:p>
+          <a:p>
+            <a:pPr lvl="1">
+              <a:buFont typeface="Wingdings" panose="05000000000000000000" pitchFamily="2" charset="2"/>
+              <a:buChar char="§"/>
+            </a:pPr>
+            <a:r>
+              <a:rPr lang="en-US" sz="2400" dirty="0" smtClean="0"/>
+              <a:t>Count the closest Police Stations within 10 miles for each bank.</a:t>
+            </a:r>
+          </a:p>
+          <a:p>
+            <a:pPr lvl="1">
+              <a:buFont typeface="Wingdings" panose="05000000000000000000" pitchFamily="2" charset="2"/>
+              <a:buChar char="§"/>
+            </a:pPr>
+            <a:r>
+              <a:rPr lang="en-US" sz="2400" dirty="0" smtClean="0"/>
+              <a:t>Find closest distance to the Police Station for each bank.</a:t>
+            </a:r>
+          </a:p>
+          <a:p>
+            <a:pPr lvl="1">
+              <a:buFont typeface="Wingdings" panose="05000000000000000000" pitchFamily="2" charset="2"/>
+              <a:buChar char="§"/>
+            </a:pPr>
+            <a:r>
+              <a:rPr lang="en-US" sz="2400" dirty="0" smtClean="0"/>
+              <a:t>Count the FFL within 5 miles for each bank.</a:t>
+            </a:r>
+          </a:p>
+          <a:p>
+            <a:pPr lvl="1">
+              <a:buFont typeface="Wingdings" panose="05000000000000000000" pitchFamily="2" charset="2"/>
+              <a:buChar char="§"/>
+            </a:pPr>
+            <a:r>
+              <a:rPr lang="en-US" sz="2400" dirty="0" smtClean="0"/>
+              <a:t>Calculate officers number per 1000 population.</a:t>
+            </a:r>
+          </a:p>
+          <a:p>
+            <a:pPr lvl="1">
+              <a:buFont typeface="Wingdings" panose="05000000000000000000" pitchFamily="2" charset="2"/>
+              <a:buChar char="§"/>
+            </a:pPr>
+            <a:r>
+              <a:rPr lang="en-US" sz="2400" dirty="0" smtClean="0"/>
+              <a:t>Calculate possible $$$ take for each bank (0.05% of FDIC deposit)</a:t>
+            </a:r>
+          </a:p>
+          <a:p>
+            <a:pPr lvl="1">
+              <a:buFont typeface="Wingdings" panose="05000000000000000000" pitchFamily="2" charset="2"/>
+              <a:buChar char="§"/>
+            </a:pPr>
+            <a:r>
+              <a:rPr lang="en-US" sz="2400" dirty="0" smtClean="0"/>
+              <a:t>Probability of getting caught by closest distance to Police Stations </a:t>
+            </a:r>
+          </a:p>
+          <a:p>
+            <a:pPr marL="384048" lvl="2" indent="0">
+              <a:buNone/>
+            </a:pPr>
+            <a:r>
+              <a:rPr lang="en-US" sz="2400" dirty="0" smtClean="0"/>
+              <a:t>y = 70 – 10x</a:t>
+            </a:r>
+          </a:p>
+          <a:p>
+            <a:pPr lvl="1"/>
+            <a:endParaRPr lang="en-US" sz="2400" dirty="0" smtClean="0"/>
+          </a:p>
+        </p:txBody>
+      </p:sp>
+    </p:spTree>
+    <p:extLst>
+      <p:ext uri="{BB962C8B-B14F-4D97-AF65-F5344CB8AC3E}">
+        <p14:creationId xmlns:p14="http://schemas.microsoft.com/office/powerpoint/2010/main" val="1487431042"/>
+      </p:ext>
+    </p:extLst>
+  </p:cSld>
+  <p:clrMapOvr>
+    <a:masterClrMapping/>
+  </p:clrMapOvr>
+  <p:timing>
+    <p:tnLst>
+      <p:par>
+        <p:cTn id="1" dur="indefinite" restart="never" nodeType="tmRoot"/>
+      </p:par>
+    </p:tnLst>
+  </p:timing>
+</p:sld>
+</file>
+
+<file path=ppt/slides/slide12.xml><?xml version="1.0" encoding="utf-8"?>
+<p:sld xmlns:a="http://schemas.openxmlformats.org/drawingml/2006/main" xmlns:r="http://schemas.openxmlformats.org/officeDocument/2006/relationships" xmlns:p="http://schemas.openxmlformats.org/presentationml/2006/main">
+  <p:cSld>
+    <p:spTree>
+      <p:nvGrpSpPr>
+        <p:cNvPr id="1" name=""/>
+        <p:cNvGrpSpPr/>
+        <p:nvPr/>
+      </p:nvGrpSpPr>
+      <p:grpSpPr>
+        <a:xfrm>
+          <a:off x="0" y="0"/>
+          <a:ext cx="0" cy="0"/>
+          <a:chOff x="0" y="0"/>
+          <a:chExt cx="0" cy="0"/>
+        </a:xfrm>
+      </p:grpSpPr>
+      <p:sp>
+        <p:nvSpPr>
+          <p:cNvPr id="2" name="Title 1"/>
+          <p:cNvSpPr>
+            <a:spLocks noGrp="1"/>
+          </p:cNvSpPr>
+          <p:nvPr>
+            <p:ph type="title"/>
           </p:nvPr>
         </p:nvSpPr>
         <p:spPr/>
@@ -4251,27 +4816,307 @@
           <a:p>
             <a:r>
               <a:rPr lang="en-US" dirty="0" smtClean="0"/>
-              <a:t>Unsupervised Model: K-Means modeling </a:t>
-            </a:r>
-            <a:r>
-              <a:rPr lang="en-US" dirty="0" err="1" smtClean="0"/>
-              <a:t>KMeans_TX.ipynb</a:t>
-            </a:r>
-            <a:endParaRPr lang="en-US" dirty="0" smtClean="0"/>
-          </a:p>
+              <a:t>Supervised Learning Model</a:t>
+            </a:r>
+            <a:endParaRPr lang="en-US" dirty="0"/>
+          </a:p>
+        </p:txBody>
+      </p:sp>
+      <p:sp>
+        <p:nvSpPr>
+          <p:cNvPr id="3" name="Content Placeholder 2"/>
+          <p:cNvSpPr>
+            <a:spLocks noGrp="1"/>
+          </p:cNvSpPr>
+          <p:nvPr>
+            <p:ph idx="1"/>
+          </p:nvPr>
+        </p:nvSpPr>
+        <p:spPr/>
+        <p:txBody>
+          <a:bodyPr>
+            <a:normAutofit/>
+          </a:bodyPr>
+          <a:lstStyle/>
+          <a:p>
+            <a:pPr lvl="1">
+              <a:buFont typeface="Wingdings" panose="05000000000000000000" pitchFamily="2" charset="2"/>
+              <a:buChar char="§"/>
+            </a:pPr>
+            <a:r>
+              <a:rPr lang="en-US" sz="2400" dirty="0" smtClean="0"/>
+              <a:t>Sample </a:t>
+            </a:r>
+            <a:r>
+              <a:rPr lang="en-US" sz="2400" dirty="0" smtClean="0"/>
+              <a:t>10% </a:t>
+            </a:r>
+            <a:r>
+              <a:rPr lang="en-US" sz="2400" dirty="0" smtClean="0"/>
+              <a:t>from </a:t>
+            </a:r>
+            <a:r>
+              <a:rPr lang="en-US" sz="2400" dirty="0" smtClean="0"/>
+              <a:t>all the banks data (sample.sql).</a:t>
+            </a:r>
+          </a:p>
+          <a:p>
+            <a:pPr lvl="1">
+              <a:buFont typeface="Wingdings" panose="05000000000000000000" pitchFamily="2" charset="2"/>
+              <a:buChar char="§"/>
+            </a:pPr>
+            <a:r>
+              <a:rPr lang="en-US" sz="2400" dirty="0" smtClean="0"/>
+              <a:t>From this sample, use </a:t>
+            </a:r>
+            <a:r>
+              <a:rPr lang="en-US" sz="2400" dirty="0" smtClean="0"/>
+              <a:t>algorithm to </a:t>
+            </a:r>
+            <a:r>
+              <a:rPr lang="en-US" sz="2400" dirty="0" smtClean="0"/>
+              <a:t>decide whether a bank is a </a:t>
+            </a:r>
+            <a:r>
+              <a:rPr lang="en-US" sz="2400" dirty="0" smtClean="0"/>
+              <a:t>potential target </a:t>
+            </a:r>
+            <a:r>
+              <a:rPr lang="en-US" sz="2400" dirty="0" smtClean="0"/>
+              <a:t>or not (target.py</a:t>
+            </a:r>
+            <a:r>
+              <a:rPr lang="en-US" sz="2400" dirty="0" smtClean="0"/>
+              <a:t>).</a:t>
+            </a:r>
+            <a:endParaRPr lang="en-US" sz="2400" dirty="0" smtClean="0"/>
+          </a:p>
+          <a:p>
+            <a:pPr lvl="1">
+              <a:buFont typeface="Wingdings" panose="05000000000000000000" pitchFamily="2" charset="2"/>
+              <a:buChar char="§"/>
+            </a:pPr>
+            <a:r>
+              <a:rPr lang="en-US" sz="2400" dirty="0" smtClean="0"/>
+              <a:t>Classify  </a:t>
+            </a:r>
+            <a:r>
+              <a:rPr lang="en-US" sz="2400" dirty="0" smtClean="0"/>
+              <a:t>group 1 </a:t>
+            </a:r>
+            <a:r>
+              <a:rPr lang="en-US" sz="2400" dirty="0" smtClean="0"/>
+              <a:t>– 5 based on </a:t>
+            </a:r>
+            <a:r>
+              <a:rPr lang="en-US" sz="2400" dirty="0" smtClean="0"/>
+              <a:t>$ take and probability of success.</a:t>
+            </a:r>
+            <a:endParaRPr lang="en-US" sz="2400" dirty="0" smtClean="0"/>
+          </a:p>
+          <a:p>
+            <a:r>
+              <a:rPr lang="en-US" sz="2200" dirty="0" smtClean="0"/>
+              <a:t>Probability of success formula:</a:t>
+            </a:r>
+          </a:p>
+          <a:p>
+            <a:r>
+              <a:rPr lang="en-US" b="1" dirty="0"/>
+              <a:t>1 - (((pDistance * 0.75) + (pPoliceResp * 0.25)) * 0.65)  - (pArmed * 0.20) - (pRating * 0.15)</a:t>
+            </a:r>
+          </a:p>
+          <a:p>
+            <a:r>
+              <a:rPr lang="en-US" sz="2200" dirty="0" smtClean="0"/>
+              <a:t>Police Response</a:t>
+            </a:r>
+            <a:r>
+              <a:rPr lang="en-US" sz="2200" dirty="0" smtClean="0"/>
+              <a:t>: </a:t>
+            </a:r>
+            <a:r>
+              <a:rPr lang="en-US" sz="2200" b="1" dirty="0" smtClean="0"/>
+              <a:t>pPoliceResp = </a:t>
+            </a:r>
+            <a:r>
+              <a:rPr lang="en-US" sz="2200" b="1" dirty="0"/>
+              <a:t>-0.1 + (0.4 * officersRate</a:t>
+            </a:r>
+            <a:r>
+              <a:rPr lang="en-US" sz="2200" b="1" dirty="0" smtClean="0"/>
+              <a:t>)</a:t>
+            </a:r>
+          </a:p>
+          <a:p>
+            <a:r>
+              <a:rPr lang="en-US" sz="2200" dirty="0" smtClean="0"/>
+              <a:t>Civ. </a:t>
+            </a:r>
+            <a:r>
+              <a:rPr lang="en-US" sz="2200" dirty="0"/>
+              <a:t>Armed </a:t>
+            </a:r>
+            <a:r>
+              <a:rPr lang="en-US" sz="2200" dirty="0" smtClean="0"/>
+              <a:t>Response</a:t>
+            </a:r>
+            <a:r>
+              <a:rPr lang="en-US" sz="2200" dirty="0"/>
+              <a:t>: </a:t>
+            </a:r>
+            <a:r>
+              <a:rPr lang="en-US" sz="2200" b="1" dirty="0"/>
+              <a:t>pArmed = -0.004444 + (0.0206 * fflCount</a:t>
+            </a:r>
+            <a:r>
+              <a:rPr lang="en-US" sz="2200" b="1" dirty="0" smtClean="0"/>
+              <a:t>)</a:t>
+            </a:r>
+          </a:p>
+          <a:p>
+            <a:r>
+              <a:rPr lang="en-US" sz="2200" dirty="0" smtClean="0"/>
+              <a:t>Rating: </a:t>
+            </a:r>
+            <a:r>
+              <a:rPr lang="en-US" sz="2200" b="1" dirty="0" smtClean="0"/>
+              <a:t>pRating </a:t>
+            </a:r>
+            <a:r>
+              <a:rPr lang="en-US" sz="2200" b="1" dirty="0"/>
+              <a:t>= 0 + (0.1 * avgRating</a:t>
+            </a:r>
+            <a:r>
+              <a:rPr lang="en-US" sz="2200" b="1" dirty="0" smtClean="0"/>
+              <a:t>)</a:t>
+            </a:r>
+            <a:endParaRPr lang="en-US" sz="2200" b="1" dirty="0" smtClean="0"/>
+          </a:p>
+        </p:txBody>
+      </p:sp>
+    </p:spTree>
+    <p:extLst>
+      <p:ext uri="{BB962C8B-B14F-4D97-AF65-F5344CB8AC3E}">
+        <p14:creationId xmlns:p14="http://schemas.microsoft.com/office/powerpoint/2010/main" val="2424636010"/>
+      </p:ext>
+    </p:extLst>
+  </p:cSld>
+  <p:clrMapOvr>
+    <a:masterClrMapping/>
+  </p:clrMapOvr>
+  <p:timing>
+    <p:tnLst>
+      <p:par>
+        <p:cTn id="1" dur="indefinite" restart="never" nodeType="tmRoot"/>
+      </p:par>
+    </p:tnLst>
+  </p:timing>
+</p:sld>
+</file>
+
+<file path=ppt/slides/slide13.xml><?xml version="1.0" encoding="utf-8"?>
+<p:sld xmlns:a="http://schemas.openxmlformats.org/drawingml/2006/main" xmlns:r="http://schemas.openxmlformats.org/officeDocument/2006/relationships" xmlns:p="http://schemas.openxmlformats.org/presentationml/2006/main">
+  <p:cSld>
+    <p:spTree>
+      <p:nvGrpSpPr>
+        <p:cNvPr id="1" name=""/>
+        <p:cNvGrpSpPr/>
+        <p:nvPr/>
+      </p:nvGrpSpPr>
+      <p:grpSpPr>
+        <a:xfrm>
+          <a:off x="0" y="0"/>
+          <a:ext cx="0" cy="0"/>
+          <a:chOff x="0" y="0"/>
+          <a:chExt cx="0" cy="0"/>
+        </a:xfrm>
+      </p:grpSpPr>
+      <p:sp>
+        <p:nvSpPr>
+          <p:cNvPr id="2" name="Title 1"/>
+          <p:cNvSpPr>
+            <a:spLocks noGrp="1"/>
+          </p:cNvSpPr>
+          <p:nvPr>
+            <p:ph type="title"/>
+          </p:nvPr>
+        </p:nvSpPr>
+        <p:spPr/>
+        <p:txBody>
+          <a:bodyPr/>
+          <a:lstStyle/>
           <a:p>
             <a:r>
               <a:rPr lang="en-US" dirty="0" smtClean="0"/>
-              <a:t>Supervised Model: </a:t>
-            </a:r>
-            <a:r>
-              <a:rPr lang="en-US" dirty="0" err="1" smtClean="0"/>
-              <a:t>modeling.ipynb</a:t>
+              <a:t>Machine Learning</a:t>
             </a:r>
             <a:endParaRPr lang="en-US" dirty="0"/>
           </a:p>
-          <a:p>
-            <a:endParaRPr lang="en-US" dirty="0"/>
+        </p:txBody>
+      </p:sp>
+      <p:sp>
+        <p:nvSpPr>
+          <p:cNvPr id="3" name="Content Placeholder 2"/>
+          <p:cNvSpPr>
+            <a:spLocks noGrp="1"/>
+          </p:cNvSpPr>
+          <p:nvPr>
+            <p:ph idx="1"/>
+          </p:nvPr>
+        </p:nvSpPr>
+        <p:spPr/>
+        <p:txBody>
+          <a:bodyPr>
+            <a:normAutofit/>
+          </a:bodyPr>
+          <a:lstStyle/>
+          <a:p>
+            <a:endParaRPr lang="en-US" sz="2400" dirty="0" smtClean="0"/>
+          </a:p>
+          <a:p>
+            <a:r>
+              <a:rPr lang="en-US" sz="2400" dirty="0" smtClean="0"/>
+              <a:t>Supervised </a:t>
+            </a:r>
+            <a:r>
+              <a:rPr lang="en-US" sz="2400" dirty="0" smtClean="0"/>
+              <a:t>Model: modeling.ipynb</a:t>
+            </a:r>
+            <a:endParaRPr lang="en-US" sz="2400" dirty="0"/>
+          </a:p>
+          <a:p>
+            <a:r>
+              <a:rPr lang="en-US" sz="2400" dirty="0"/>
+              <a:t>Unsupervised Model: K-Means modeling KMeans_TX.ipynb</a:t>
+            </a:r>
+          </a:p>
+          <a:p>
+            <a:r>
+              <a:rPr lang="en-US" sz="2400" dirty="0" smtClean="0"/>
+              <a:t>Use models for TX and NY:</a:t>
+            </a:r>
+          </a:p>
+          <a:p>
+            <a:pPr lvl="1">
+              <a:buFont typeface="Wingdings" panose="05000000000000000000" pitchFamily="2" charset="2"/>
+              <a:buChar char="§"/>
+            </a:pPr>
+            <a:r>
+              <a:rPr lang="en-US" sz="2400" dirty="0" smtClean="0"/>
+              <a:t>Prediction_TX.ipynb</a:t>
+            </a:r>
+          </a:p>
+          <a:p>
+            <a:pPr lvl="1">
+              <a:buFont typeface="Wingdings" panose="05000000000000000000" pitchFamily="2" charset="2"/>
+              <a:buChar char="§"/>
+            </a:pPr>
+            <a:r>
+              <a:rPr lang="en-US" sz="2400" dirty="0" smtClean="0"/>
+              <a:t>Prediction_NY.ipynb</a:t>
+            </a:r>
+            <a:endParaRPr lang="en-US" sz="2400" dirty="0"/>
           </a:p>
         </p:txBody>
       </p:sp>
@@ -4285,6 +5130,1036 @@
   <p:clrMapOvr>
     <a:masterClrMapping/>
   </p:clrMapOvr>
+  <p:timing>
+    <p:tnLst>
+      <p:par>
+        <p:cTn id="1" dur="indefinite" restart="never" nodeType="tmRoot"/>
+      </p:par>
+    </p:tnLst>
+  </p:timing>
+</p:sld>
+</file>
+
+<file path=ppt/slides/slide14.xml><?xml version="1.0" encoding="utf-8"?>
+<p:sld xmlns:a="http://schemas.openxmlformats.org/drawingml/2006/main" xmlns:r="http://schemas.openxmlformats.org/officeDocument/2006/relationships" xmlns:p="http://schemas.openxmlformats.org/presentationml/2006/main">
+  <p:cSld>
+    <p:spTree>
+      <p:nvGrpSpPr>
+        <p:cNvPr id="1" name=""/>
+        <p:cNvGrpSpPr/>
+        <p:nvPr/>
+      </p:nvGrpSpPr>
+      <p:grpSpPr>
+        <a:xfrm>
+          <a:off x="0" y="0"/>
+          <a:ext cx="0" cy="0"/>
+          <a:chOff x="0" y="0"/>
+          <a:chExt cx="0" cy="0"/>
+        </a:xfrm>
+      </p:grpSpPr>
+      <p:pic>
+        <p:nvPicPr>
+          <p:cNvPr id="4" name="Picture 3"/>
+          <p:cNvPicPr>
+            <a:picLocks noChangeAspect="1"/>
+          </p:cNvPicPr>
+          <p:nvPr/>
+        </p:nvPicPr>
+        <p:blipFill>
+          <a:blip r:embed="rId2">
+            <a:extLst>
+              <a:ext uri="{28A0092B-C50C-407E-A947-70E740481C1C}">
+                <a14:useLocalDpi xmlns:a14="http://schemas.microsoft.com/office/drawing/2010/main" val="0"/>
+              </a:ext>
+            </a:extLst>
+          </a:blip>
+          <a:stretch>
+            <a:fillRect/>
+          </a:stretch>
+        </p:blipFill>
+        <p:spPr>
+          <a:xfrm>
+            <a:off x="4128868" y="63684"/>
+            <a:ext cx="7601244" cy="6673502"/>
+          </a:xfrm>
+          <a:prstGeom prst="rect">
+            <a:avLst/>
+          </a:prstGeom>
+        </p:spPr>
+      </p:pic>
+      <p:sp>
+        <p:nvSpPr>
+          <p:cNvPr id="5" name="TextBox 4"/>
+          <p:cNvSpPr txBox="1"/>
+          <p:nvPr/>
+        </p:nvSpPr>
+        <p:spPr>
+          <a:xfrm>
+            <a:off x="404764" y="2715388"/>
+            <a:ext cx="3777176" cy="1323439"/>
+          </a:xfrm>
+          <a:prstGeom prst="rect">
+            <a:avLst/>
+          </a:prstGeom>
+          <a:noFill/>
+        </p:spPr>
+        <p:txBody>
+          <a:bodyPr wrap="square" rtlCol="0">
+            <a:spAutoFit/>
+          </a:bodyPr>
+          <a:lstStyle/>
+          <a:p>
+            <a:r>
+              <a:rPr lang="en-US" sz="2000" dirty="0"/>
+              <a:t>USAA Federal Savings </a:t>
+            </a:r>
+            <a:r>
+              <a:rPr lang="en-US" sz="2000" dirty="0" smtClean="0"/>
+              <a:t>Bank</a:t>
+            </a:r>
+          </a:p>
+          <a:p>
+            <a:r>
+              <a:rPr lang="en-US" sz="2000" dirty="0" smtClean="0"/>
+              <a:t>San Antonio, TX</a:t>
+            </a:r>
+          </a:p>
+          <a:p>
+            <a:r>
+              <a:rPr lang="en-US" sz="2000" dirty="0" smtClean="0"/>
+              <a:t/>
+            </a:r>
+            <a:br>
+              <a:rPr lang="en-US" sz="2000" dirty="0" smtClean="0"/>
+            </a:br>
+            <a:endParaRPr lang="en-US" sz="2000" dirty="0"/>
+          </a:p>
+        </p:txBody>
+      </p:sp>
+      <p:sp>
+        <p:nvSpPr>
+          <p:cNvPr id="7" name="Rectangle 1"/>
+          <p:cNvSpPr>
+            <a:spLocks noChangeArrowheads="1"/>
+          </p:cNvSpPr>
+          <p:nvPr/>
+        </p:nvSpPr>
+        <p:spPr bwMode="auto">
+          <a:xfrm>
+            <a:off x="1096963" y="3675063"/>
+            <a:ext cx="12192000" cy="0"/>
+          </a:xfrm>
+          <a:prstGeom prst="rect">
+            <a:avLst/>
+          </a:prstGeom>
+          <a:noFill/>
+          <a:ln>
+            <a:noFill/>
+          </a:ln>
+          <a:effectLst/>
+          <a:extLst>
+            <a:ext uri="{909E8E84-426E-40DD-AFC4-6F175D3DCCD1}">
+              <a14:hiddenFill xmlns:a14="http://schemas.microsoft.com/office/drawing/2010/main">
+                <a:solidFill>
+                  <a:schemeClr val="accent1"/>
+                </a:solidFill>
+              </a14:hiddenFill>
+            </a:ext>
+            <a:ext uri="{91240B29-F687-4F45-9708-019B960494DF}">
+              <a14:hiddenLine xmlns:a14="http://schemas.microsoft.com/office/drawing/2010/main" w="9525">
+                <a:solidFill>
+                  <a:schemeClr val="tx1"/>
+                </a:solidFill>
+                <a:miter lim="800000"/>
+                <a:headEnd/>
+                <a:tailEnd/>
+              </a14:hiddenLine>
+            </a:ext>
+            <a:ext uri="{AF507438-7753-43E0-B8FC-AC1667EBCBE1}">
+              <a14:hiddenEffects xmlns:a14="http://schemas.microsoft.com/office/drawing/2010/main">
+                <a:effectLst>
+                  <a:outerShdw dist="35921" dir="2700000" algn="ctr" rotWithShape="0">
+                    <a:schemeClr val="bg2"/>
+                  </a:outerShdw>
+                </a:effectLst>
+              </a14:hiddenEffects>
+            </a:ext>
+          </a:extLst>
+        </p:spPr>
+        <p:txBody>
+          <a:bodyPr vert="horz" wrap="none" lIns="91440" tIns="45720" rIns="91440" bIns="45720" numCol="1" anchor="ctr" anchorCtr="0" compatLnSpc="1">
+            <a:prstTxWarp prst="textNoShape">
+              <a:avLst/>
+            </a:prstTxWarp>
+            <a:spAutoFit/>
+          </a:bodyPr>
+          <a:lstStyle/>
+          <a:p>
+            <a:pPr marL="0" marR="0" lvl="0" indent="0" algn="l" defTabSz="914400" rtl="0" eaLnBrk="0" fontAlgn="base" latinLnBrk="0" hangingPunct="0">
+              <a:lnSpc>
+                <a:spcPct val="100000"/>
+              </a:lnSpc>
+              <a:spcBef>
+                <a:spcPct val="0"/>
+              </a:spcBef>
+              <a:spcAft>
+                <a:spcPct val="0"/>
+              </a:spcAft>
+              <a:buClrTx/>
+              <a:buSzTx/>
+              <a:buFontTx/>
+              <a:buNone/>
+              <a:tabLst/>
+            </a:pPr>
+            <a:r>
+              <a:rPr kumimoji="0" lang="en-US" altLang="en-US" sz="1800" b="0" i="0" u="none" strike="noStrike" cap="none" normalizeH="0" baseline="0" smtClean="0">
+                <a:ln>
+                  <a:noFill/>
+                </a:ln>
+                <a:solidFill>
+                  <a:schemeClr val="tx1"/>
+                </a:solidFill>
+                <a:effectLst/>
+                <a:latin typeface="Arial" panose="020B0604020202020204" pitchFamily="34" charset="0"/>
+              </a:rPr>
+              <a:t/>
+            </a:r>
+            <a:br>
+              <a:rPr kumimoji="0" lang="en-US" altLang="en-US" sz="1800" b="0" i="0" u="none" strike="noStrike" cap="none" normalizeH="0" baseline="0" smtClean="0">
+                <a:ln>
+                  <a:noFill/>
+                </a:ln>
+                <a:solidFill>
+                  <a:schemeClr val="tx1"/>
+                </a:solidFill>
+                <a:effectLst/>
+                <a:latin typeface="Arial" panose="020B0604020202020204" pitchFamily="34" charset="0"/>
+              </a:rPr>
+            </a:br>
+            <a:endParaRPr kumimoji="0" lang="en-US" altLang="en-US" sz="1800" b="0" i="0" u="none" strike="noStrike" cap="none" normalizeH="0" baseline="0" smtClean="0">
+              <a:ln>
+                <a:noFill/>
+              </a:ln>
+              <a:solidFill>
+                <a:schemeClr val="tx1"/>
+              </a:solidFill>
+              <a:effectLst/>
+              <a:latin typeface="Arial" panose="020B0604020202020204" pitchFamily="34" charset="0"/>
+            </a:endParaRPr>
+          </a:p>
+        </p:txBody>
+      </p:sp>
+    </p:spTree>
+    <p:extLst>
+      <p:ext uri="{BB962C8B-B14F-4D97-AF65-F5344CB8AC3E}">
+        <p14:creationId xmlns:p14="http://schemas.microsoft.com/office/powerpoint/2010/main" val="2030000001"/>
+      </p:ext>
+    </p:extLst>
+  </p:cSld>
+  <p:clrMapOvr>
+    <a:masterClrMapping/>
+  </p:clrMapOvr>
+  <p:timing>
+    <p:tnLst>
+      <p:par>
+        <p:cTn id="1" dur="indefinite" restart="never" nodeType="tmRoot"/>
+      </p:par>
+    </p:tnLst>
+  </p:timing>
+</p:sld>
+</file>
+
+<file path=ppt/slides/slide15.xml><?xml version="1.0" encoding="utf-8"?>
+<p:sld xmlns:a="http://schemas.openxmlformats.org/drawingml/2006/main" xmlns:r="http://schemas.openxmlformats.org/officeDocument/2006/relationships" xmlns:p="http://schemas.openxmlformats.org/presentationml/2006/main">
+  <p:cSld>
+    <p:spTree>
+      <p:nvGrpSpPr>
+        <p:cNvPr id="1" name=""/>
+        <p:cNvGrpSpPr/>
+        <p:nvPr/>
+      </p:nvGrpSpPr>
+      <p:grpSpPr>
+        <a:xfrm>
+          <a:off x="0" y="0"/>
+          <a:ext cx="0" cy="0"/>
+          <a:chOff x="0" y="0"/>
+          <a:chExt cx="0" cy="0"/>
+        </a:xfrm>
+      </p:grpSpPr>
+      <p:sp>
+        <p:nvSpPr>
+          <p:cNvPr id="5" name="TextBox 4"/>
+          <p:cNvSpPr txBox="1"/>
+          <p:nvPr/>
+        </p:nvSpPr>
+        <p:spPr>
+          <a:xfrm>
+            <a:off x="404764" y="2715388"/>
+            <a:ext cx="3777176" cy="1323439"/>
+          </a:xfrm>
+          <a:prstGeom prst="rect">
+            <a:avLst/>
+          </a:prstGeom>
+          <a:noFill/>
+        </p:spPr>
+        <p:txBody>
+          <a:bodyPr wrap="square" rtlCol="0">
+            <a:spAutoFit/>
+          </a:bodyPr>
+          <a:lstStyle/>
+          <a:p>
+            <a:r>
+              <a:rPr lang="en-US" sz="2000" dirty="0" smtClean="0"/>
+              <a:t>Texas Capital Bank</a:t>
+            </a:r>
+          </a:p>
+          <a:p>
+            <a:r>
+              <a:rPr lang="en-US" sz="2000" dirty="0" smtClean="0"/>
+              <a:t>Houston, TX</a:t>
+            </a:r>
+          </a:p>
+          <a:p>
+            <a:r>
+              <a:rPr lang="en-US" sz="2000" dirty="0" smtClean="0"/>
+              <a:t/>
+            </a:r>
+            <a:br>
+              <a:rPr lang="en-US" sz="2000" dirty="0" smtClean="0"/>
+            </a:br>
+            <a:endParaRPr lang="en-US" sz="2000" dirty="0"/>
+          </a:p>
+        </p:txBody>
+      </p:sp>
+      <p:sp>
+        <p:nvSpPr>
+          <p:cNvPr id="7" name="Rectangle 1"/>
+          <p:cNvSpPr>
+            <a:spLocks noChangeArrowheads="1"/>
+          </p:cNvSpPr>
+          <p:nvPr/>
+        </p:nvSpPr>
+        <p:spPr bwMode="auto">
+          <a:xfrm>
+            <a:off x="1096963" y="3675063"/>
+            <a:ext cx="12192000" cy="0"/>
+          </a:xfrm>
+          <a:prstGeom prst="rect">
+            <a:avLst/>
+          </a:prstGeom>
+          <a:noFill/>
+          <a:ln>
+            <a:noFill/>
+          </a:ln>
+          <a:effectLst/>
+          <a:extLst>
+            <a:ext uri="{909E8E84-426E-40DD-AFC4-6F175D3DCCD1}">
+              <a14:hiddenFill xmlns:a14="http://schemas.microsoft.com/office/drawing/2010/main">
+                <a:solidFill>
+                  <a:schemeClr val="accent1"/>
+                </a:solidFill>
+              </a14:hiddenFill>
+            </a:ext>
+            <a:ext uri="{91240B29-F687-4F45-9708-019B960494DF}">
+              <a14:hiddenLine xmlns:a14="http://schemas.microsoft.com/office/drawing/2010/main" w="9525">
+                <a:solidFill>
+                  <a:schemeClr val="tx1"/>
+                </a:solidFill>
+                <a:miter lim="800000"/>
+                <a:headEnd/>
+                <a:tailEnd/>
+              </a14:hiddenLine>
+            </a:ext>
+            <a:ext uri="{AF507438-7753-43E0-B8FC-AC1667EBCBE1}">
+              <a14:hiddenEffects xmlns:a14="http://schemas.microsoft.com/office/drawing/2010/main">
+                <a:effectLst>
+                  <a:outerShdw dist="35921" dir="2700000" algn="ctr" rotWithShape="0">
+                    <a:schemeClr val="bg2"/>
+                  </a:outerShdw>
+                </a:effectLst>
+              </a14:hiddenEffects>
+            </a:ext>
+          </a:extLst>
+        </p:spPr>
+        <p:txBody>
+          <a:bodyPr vert="horz" wrap="none" lIns="91440" tIns="45720" rIns="91440" bIns="45720" numCol="1" anchor="ctr" anchorCtr="0" compatLnSpc="1">
+            <a:prstTxWarp prst="textNoShape">
+              <a:avLst/>
+            </a:prstTxWarp>
+            <a:spAutoFit/>
+          </a:bodyPr>
+          <a:lstStyle/>
+          <a:p>
+            <a:pPr marL="0" marR="0" lvl="0" indent="0" algn="l" defTabSz="914400" rtl="0" eaLnBrk="0" fontAlgn="base" latinLnBrk="0" hangingPunct="0">
+              <a:lnSpc>
+                <a:spcPct val="100000"/>
+              </a:lnSpc>
+              <a:spcBef>
+                <a:spcPct val="0"/>
+              </a:spcBef>
+              <a:spcAft>
+                <a:spcPct val="0"/>
+              </a:spcAft>
+              <a:buClrTx/>
+              <a:buSzTx/>
+              <a:buFontTx/>
+              <a:buNone/>
+              <a:tabLst/>
+            </a:pPr>
+            <a:r>
+              <a:rPr kumimoji="0" lang="en-US" altLang="en-US" sz="1800" b="0" i="0" u="none" strike="noStrike" cap="none" normalizeH="0" baseline="0" smtClean="0">
+                <a:ln>
+                  <a:noFill/>
+                </a:ln>
+                <a:solidFill>
+                  <a:schemeClr val="tx1"/>
+                </a:solidFill>
+                <a:effectLst/>
+                <a:latin typeface="Arial" panose="020B0604020202020204" pitchFamily="34" charset="0"/>
+              </a:rPr>
+              <a:t/>
+            </a:r>
+            <a:br>
+              <a:rPr kumimoji="0" lang="en-US" altLang="en-US" sz="1800" b="0" i="0" u="none" strike="noStrike" cap="none" normalizeH="0" baseline="0" smtClean="0">
+                <a:ln>
+                  <a:noFill/>
+                </a:ln>
+                <a:solidFill>
+                  <a:schemeClr val="tx1"/>
+                </a:solidFill>
+                <a:effectLst/>
+                <a:latin typeface="Arial" panose="020B0604020202020204" pitchFamily="34" charset="0"/>
+              </a:rPr>
+            </a:br>
+            <a:endParaRPr kumimoji="0" lang="en-US" altLang="en-US" sz="1800" b="0" i="0" u="none" strike="noStrike" cap="none" normalizeH="0" baseline="0" smtClean="0">
+              <a:ln>
+                <a:noFill/>
+              </a:ln>
+              <a:solidFill>
+                <a:schemeClr val="tx1"/>
+              </a:solidFill>
+              <a:effectLst/>
+              <a:latin typeface="Arial" panose="020B0604020202020204" pitchFamily="34" charset="0"/>
+            </a:endParaRPr>
+          </a:p>
+        </p:txBody>
+      </p:sp>
+      <p:pic>
+        <p:nvPicPr>
+          <p:cNvPr id="2" name="Picture 1"/>
+          <p:cNvPicPr>
+            <a:picLocks noChangeAspect="1"/>
+          </p:cNvPicPr>
+          <p:nvPr/>
+        </p:nvPicPr>
+        <p:blipFill>
+          <a:blip r:embed="rId2">
+            <a:extLst>
+              <a:ext uri="{28A0092B-C50C-407E-A947-70E740481C1C}">
+                <a14:useLocalDpi xmlns:a14="http://schemas.microsoft.com/office/drawing/2010/main" val="0"/>
+              </a:ext>
+            </a:extLst>
+          </a:blip>
+          <a:stretch>
+            <a:fillRect/>
+          </a:stretch>
+        </p:blipFill>
+        <p:spPr>
+          <a:xfrm>
+            <a:off x="3777173" y="172248"/>
+            <a:ext cx="8008741" cy="6438547"/>
+          </a:xfrm>
+          <a:prstGeom prst="rect">
+            <a:avLst/>
+          </a:prstGeom>
+        </p:spPr>
+      </p:pic>
+    </p:spTree>
+    <p:extLst>
+      <p:ext uri="{BB962C8B-B14F-4D97-AF65-F5344CB8AC3E}">
+        <p14:creationId xmlns:p14="http://schemas.microsoft.com/office/powerpoint/2010/main" val="2549566312"/>
+      </p:ext>
+    </p:extLst>
+  </p:cSld>
+  <p:clrMapOvr>
+    <a:masterClrMapping/>
+  </p:clrMapOvr>
+  <p:timing>
+    <p:tnLst>
+      <p:par>
+        <p:cTn id="1" dur="indefinite" restart="never" nodeType="tmRoot"/>
+      </p:par>
+    </p:tnLst>
+  </p:timing>
+</p:sld>
+</file>
+
+<file path=ppt/slides/slide16.xml><?xml version="1.0" encoding="utf-8"?>
+<p:sld xmlns:a="http://schemas.openxmlformats.org/drawingml/2006/main" xmlns:r="http://schemas.openxmlformats.org/officeDocument/2006/relationships" xmlns:p="http://schemas.openxmlformats.org/presentationml/2006/main">
+  <p:cSld>
+    <p:spTree>
+      <p:nvGrpSpPr>
+        <p:cNvPr id="1" name=""/>
+        <p:cNvGrpSpPr/>
+        <p:nvPr/>
+      </p:nvGrpSpPr>
+      <p:grpSpPr>
+        <a:xfrm>
+          <a:off x="0" y="0"/>
+          <a:ext cx="0" cy="0"/>
+          <a:chOff x="0" y="0"/>
+          <a:chExt cx="0" cy="0"/>
+        </a:xfrm>
+      </p:grpSpPr>
+      <p:sp>
+        <p:nvSpPr>
+          <p:cNvPr id="5" name="TextBox 4"/>
+          <p:cNvSpPr txBox="1"/>
+          <p:nvPr/>
+        </p:nvSpPr>
+        <p:spPr>
+          <a:xfrm>
+            <a:off x="404764" y="2715388"/>
+            <a:ext cx="3777176" cy="1323439"/>
+          </a:xfrm>
+          <a:prstGeom prst="rect">
+            <a:avLst/>
+          </a:prstGeom>
+          <a:noFill/>
+        </p:spPr>
+        <p:txBody>
+          <a:bodyPr wrap="square" rtlCol="0">
+            <a:spAutoFit/>
+          </a:bodyPr>
+          <a:lstStyle/>
+          <a:p>
+            <a:r>
+              <a:rPr lang="en-US" sz="2000" dirty="0" smtClean="0"/>
+              <a:t>JPMorgan </a:t>
+            </a:r>
+            <a:r>
+              <a:rPr lang="en-US" sz="2000" dirty="0"/>
+              <a:t>Chase </a:t>
+            </a:r>
+            <a:r>
+              <a:rPr lang="en-US" sz="2000" dirty="0" smtClean="0"/>
+              <a:t>Bank</a:t>
+            </a:r>
+          </a:p>
+          <a:p>
+            <a:r>
+              <a:rPr lang="en-US" sz="2000" dirty="0" smtClean="0"/>
+              <a:t>New York, NY</a:t>
+            </a:r>
+          </a:p>
+          <a:p>
+            <a:r>
+              <a:rPr lang="en-US" sz="2000" dirty="0" smtClean="0"/>
+              <a:t/>
+            </a:r>
+            <a:br>
+              <a:rPr lang="en-US" sz="2000" dirty="0" smtClean="0"/>
+            </a:br>
+            <a:endParaRPr lang="en-US" sz="2000" dirty="0"/>
+          </a:p>
+        </p:txBody>
+      </p:sp>
+      <p:sp>
+        <p:nvSpPr>
+          <p:cNvPr id="7" name="Rectangle 1"/>
+          <p:cNvSpPr>
+            <a:spLocks noChangeArrowheads="1"/>
+          </p:cNvSpPr>
+          <p:nvPr/>
+        </p:nvSpPr>
+        <p:spPr bwMode="auto">
+          <a:xfrm>
+            <a:off x="1096963" y="3675063"/>
+            <a:ext cx="12192000" cy="0"/>
+          </a:xfrm>
+          <a:prstGeom prst="rect">
+            <a:avLst/>
+          </a:prstGeom>
+          <a:noFill/>
+          <a:ln>
+            <a:noFill/>
+          </a:ln>
+          <a:effectLst/>
+          <a:extLst>
+            <a:ext uri="{909E8E84-426E-40DD-AFC4-6F175D3DCCD1}">
+              <a14:hiddenFill xmlns:a14="http://schemas.microsoft.com/office/drawing/2010/main">
+                <a:solidFill>
+                  <a:schemeClr val="accent1"/>
+                </a:solidFill>
+              </a14:hiddenFill>
+            </a:ext>
+            <a:ext uri="{91240B29-F687-4F45-9708-019B960494DF}">
+              <a14:hiddenLine xmlns:a14="http://schemas.microsoft.com/office/drawing/2010/main" w="9525">
+                <a:solidFill>
+                  <a:schemeClr val="tx1"/>
+                </a:solidFill>
+                <a:miter lim="800000"/>
+                <a:headEnd/>
+                <a:tailEnd/>
+              </a14:hiddenLine>
+            </a:ext>
+            <a:ext uri="{AF507438-7753-43E0-B8FC-AC1667EBCBE1}">
+              <a14:hiddenEffects xmlns:a14="http://schemas.microsoft.com/office/drawing/2010/main">
+                <a:effectLst>
+                  <a:outerShdw dist="35921" dir="2700000" algn="ctr" rotWithShape="0">
+                    <a:schemeClr val="bg2"/>
+                  </a:outerShdw>
+                </a:effectLst>
+              </a14:hiddenEffects>
+            </a:ext>
+          </a:extLst>
+        </p:spPr>
+        <p:txBody>
+          <a:bodyPr vert="horz" wrap="none" lIns="91440" tIns="45720" rIns="91440" bIns="45720" numCol="1" anchor="ctr" anchorCtr="0" compatLnSpc="1">
+            <a:prstTxWarp prst="textNoShape">
+              <a:avLst/>
+            </a:prstTxWarp>
+            <a:spAutoFit/>
+          </a:bodyPr>
+          <a:lstStyle/>
+          <a:p>
+            <a:pPr marL="0" marR="0" lvl="0" indent="0" algn="l" defTabSz="914400" rtl="0" eaLnBrk="0" fontAlgn="base" latinLnBrk="0" hangingPunct="0">
+              <a:lnSpc>
+                <a:spcPct val="100000"/>
+              </a:lnSpc>
+              <a:spcBef>
+                <a:spcPct val="0"/>
+              </a:spcBef>
+              <a:spcAft>
+                <a:spcPct val="0"/>
+              </a:spcAft>
+              <a:buClrTx/>
+              <a:buSzTx/>
+              <a:buFontTx/>
+              <a:buNone/>
+              <a:tabLst/>
+            </a:pPr>
+            <a:r>
+              <a:rPr kumimoji="0" lang="en-US" altLang="en-US" sz="1800" b="0" i="0" u="none" strike="noStrike" cap="none" normalizeH="0" baseline="0" smtClean="0">
+                <a:ln>
+                  <a:noFill/>
+                </a:ln>
+                <a:solidFill>
+                  <a:schemeClr val="tx1"/>
+                </a:solidFill>
+                <a:effectLst/>
+                <a:latin typeface="Arial" panose="020B0604020202020204" pitchFamily="34" charset="0"/>
+              </a:rPr>
+              <a:t/>
+            </a:r>
+            <a:br>
+              <a:rPr kumimoji="0" lang="en-US" altLang="en-US" sz="1800" b="0" i="0" u="none" strike="noStrike" cap="none" normalizeH="0" baseline="0" smtClean="0">
+                <a:ln>
+                  <a:noFill/>
+                </a:ln>
+                <a:solidFill>
+                  <a:schemeClr val="tx1"/>
+                </a:solidFill>
+                <a:effectLst/>
+                <a:latin typeface="Arial" panose="020B0604020202020204" pitchFamily="34" charset="0"/>
+              </a:rPr>
+            </a:br>
+            <a:endParaRPr kumimoji="0" lang="en-US" altLang="en-US" sz="1800" b="0" i="0" u="none" strike="noStrike" cap="none" normalizeH="0" baseline="0" smtClean="0">
+              <a:ln>
+                <a:noFill/>
+              </a:ln>
+              <a:solidFill>
+                <a:schemeClr val="tx1"/>
+              </a:solidFill>
+              <a:effectLst/>
+              <a:latin typeface="Arial" panose="020B0604020202020204" pitchFamily="34" charset="0"/>
+            </a:endParaRPr>
+          </a:p>
+        </p:txBody>
+      </p:sp>
+      <p:pic>
+        <p:nvPicPr>
+          <p:cNvPr id="3" name="Picture 2"/>
+          <p:cNvPicPr>
+            <a:picLocks noChangeAspect="1"/>
+          </p:cNvPicPr>
+          <p:nvPr/>
+        </p:nvPicPr>
+        <p:blipFill>
+          <a:blip r:embed="rId2">
+            <a:extLst>
+              <a:ext uri="{28A0092B-C50C-407E-A947-70E740481C1C}">
+                <a14:useLocalDpi xmlns:a14="http://schemas.microsoft.com/office/drawing/2010/main" val="0"/>
+              </a:ext>
+            </a:extLst>
+          </a:blip>
+          <a:stretch>
+            <a:fillRect/>
+          </a:stretch>
+        </p:blipFill>
+        <p:spPr>
+          <a:xfrm>
+            <a:off x="3699803" y="140826"/>
+            <a:ext cx="8130447" cy="6527260"/>
+          </a:xfrm>
+          <a:prstGeom prst="rect">
+            <a:avLst/>
+          </a:prstGeom>
+        </p:spPr>
+      </p:pic>
+    </p:spTree>
+    <p:extLst>
+      <p:ext uri="{BB962C8B-B14F-4D97-AF65-F5344CB8AC3E}">
+        <p14:creationId xmlns:p14="http://schemas.microsoft.com/office/powerpoint/2010/main" val="1223984752"/>
+      </p:ext>
+    </p:extLst>
+  </p:cSld>
+  <p:clrMapOvr>
+    <a:masterClrMapping/>
+  </p:clrMapOvr>
+  <p:timing>
+    <p:tnLst>
+      <p:par>
+        <p:cTn id="1" dur="indefinite" restart="never" nodeType="tmRoot"/>
+      </p:par>
+    </p:tnLst>
+  </p:timing>
+</p:sld>
+</file>
+
+<file path=ppt/slides/slide17.xml><?xml version="1.0" encoding="utf-8"?>
+<p:sld xmlns:a="http://schemas.openxmlformats.org/drawingml/2006/main" xmlns:r="http://schemas.openxmlformats.org/officeDocument/2006/relationships" xmlns:p="http://schemas.openxmlformats.org/presentationml/2006/main">
+  <p:cSld>
+    <p:spTree>
+      <p:nvGrpSpPr>
+        <p:cNvPr id="1" name=""/>
+        <p:cNvGrpSpPr/>
+        <p:nvPr/>
+      </p:nvGrpSpPr>
+      <p:grpSpPr>
+        <a:xfrm>
+          <a:off x="0" y="0"/>
+          <a:ext cx="0" cy="0"/>
+          <a:chOff x="0" y="0"/>
+          <a:chExt cx="0" cy="0"/>
+        </a:xfrm>
+      </p:grpSpPr>
+      <p:sp>
+        <p:nvSpPr>
+          <p:cNvPr id="2" name="Title 1"/>
+          <p:cNvSpPr>
+            <a:spLocks noGrp="1"/>
+          </p:cNvSpPr>
+          <p:nvPr>
+            <p:ph type="title"/>
+          </p:nvPr>
+        </p:nvSpPr>
+        <p:spPr/>
+        <p:txBody>
+          <a:bodyPr/>
+          <a:lstStyle/>
+          <a:p>
+            <a:r>
+              <a:rPr lang="en-US" dirty="0"/>
+              <a:t>What did I learn?</a:t>
+            </a:r>
+          </a:p>
+        </p:txBody>
+      </p:sp>
+      <p:sp>
+        <p:nvSpPr>
+          <p:cNvPr id="3" name="Content Placeholder 2"/>
+          <p:cNvSpPr>
+            <a:spLocks noGrp="1"/>
+          </p:cNvSpPr>
+          <p:nvPr>
+            <p:ph idx="1"/>
+          </p:nvPr>
+        </p:nvSpPr>
+        <p:spPr/>
+        <p:txBody>
+          <a:bodyPr>
+            <a:normAutofit/>
+          </a:bodyPr>
+          <a:lstStyle/>
+          <a:p>
+            <a:pPr lvl="1">
+              <a:buFont typeface="Wingdings" panose="05000000000000000000" pitchFamily="2" charset="2"/>
+              <a:buChar char="§"/>
+            </a:pPr>
+            <a:endParaRPr lang="en-US" sz="2400" dirty="0" smtClean="0"/>
+          </a:p>
+          <a:p>
+            <a:pPr lvl="1">
+              <a:buFont typeface="Wingdings" panose="05000000000000000000" pitchFamily="2" charset="2"/>
+              <a:buChar char="§"/>
+            </a:pPr>
+            <a:r>
+              <a:rPr lang="en-US" sz="2400" dirty="0"/>
+              <a:t>Finding source of </a:t>
+            </a:r>
+            <a:r>
+              <a:rPr lang="en-US" sz="2400" b="1" dirty="0"/>
+              <a:t>good</a:t>
+            </a:r>
+            <a:r>
+              <a:rPr lang="en-US" sz="2400" dirty="0"/>
+              <a:t> data is very challenging.</a:t>
+            </a:r>
+          </a:p>
+          <a:p>
+            <a:pPr lvl="1">
+              <a:buFont typeface="Wingdings" panose="05000000000000000000" pitchFamily="2" charset="2"/>
+              <a:buChar char="§"/>
+            </a:pPr>
+            <a:r>
+              <a:rPr lang="en-US" sz="2400" dirty="0" smtClean="0"/>
+              <a:t>Data wrangling is challenging. </a:t>
+            </a:r>
+          </a:p>
+          <a:p>
+            <a:pPr lvl="1">
+              <a:buFont typeface="Wingdings" panose="05000000000000000000" pitchFamily="2" charset="2"/>
+              <a:buChar char="§"/>
+            </a:pPr>
+            <a:r>
+              <a:rPr lang="en-US" sz="2400" dirty="0" smtClean="0"/>
+              <a:t>Missing </a:t>
+            </a:r>
+            <a:r>
+              <a:rPr lang="en-US" sz="2400" dirty="0"/>
+              <a:t>data produce false positives and many inaccuracies even with well trained model.</a:t>
+            </a:r>
+          </a:p>
+          <a:p>
+            <a:pPr lvl="1">
+              <a:buFont typeface="Wingdings" panose="05000000000000000000" pitchFamily="2" charset="2"/>
+              <a:buChar char="§"/>
+            </a:pPr>
+            <a:r>
+              <a:rPr lang="en-US" sz="2400" dirty="0" smtClean="0"/>
+              <a:t>Supervised learning is only as useful as the initial assumptions I made for this project.</a:t>
+            </a:r>
+          </a:p>
+          <a:p>
+            <a:pPr lvl="1">
+              <a:buFont typeface="Wingdings" panose="05000000000000000000" pitchFamily="2" charset="2"/>
+              <a:buChar char="§"/>
+            </a:pPr>
+            <a:r>
+              <a:rPr lang="en-US" sz="2400" dirty="0" smtClean="0"/>
+              <a:t>Machine learning is the first step for bank security. </a:t>
+            </a:r>
+          </a:p>
+        </p:txBody>
+      </p:sp>
+    </p:spTree>
+    <p:extLst>
+      <p:ext uri="{BB962C8B-B14F-4D97-AF65-F5344CB8AC3E}">
+        <p14:creationId xmlns:p14="http://schemas.microsoft.com/office/powerpoint/2010/main" val="3523293758"/>
+      </p:ext>
+    </p:extLst>
+  </p:cSld>
+  <p:clrMapOvr>
+    <a:masterClrMapping/>
+  </p:clrMapOvr>
+  <p:timing>
+    <p:tnLst>
+      <p:par>
+        <p:cTn id="1" dur="indefinite" restart="never" nodeType="tmRoot"/>
+      </p:par>
+    </p:tnLst>
+  </p:timing>
+</p:sld>
+</file>
+
+<file path=ppt/slides/slide18.xml><?xml version="1.0" encoding="utf-8"?>
+<p:sld xmlns:a="http://schemas.openxmlformats.org/drawingml/2006/main" xmlns:r="http://schemas.openxmlformats.org/officeDocument/2006/relationships" xmlns:p="http://schemas.openxmlformats.org/presentationml/2006/main">
+  <p:cSld>
+    <p:spTree>
+      <p:nvGrpSpPr>
+        <p:cNvPr id="1" name=""/>
+        <p:cNvGrpSpPr/>
+        <p:nvPr/>
+      </p:nvGrpSpPr>
+      <p:grpSpPr>
+        <a:xfrm>
+          <a:off x="0" y="0"/>
+          <a:ext cx="0" cy="0"/>
+          <a:chOff x="0" y="0"/>
+          <a:chExt cx="0" cy="0"/>
+        </a:xfrm>
+      </p:grpSpPr>
+      <p:sp>
+        <p:nvSpPr>
+          <p:cNvPr id="2" name="Title 1"/>
+          <p:cNvSpPr>
+            <a:spLocks noGrp="1"/>
+          </p:cNvSpPr>
+          <p:nvPr>
+            <p:ph type="title"/>
+          </p:nvPr>
+        </p:nvSpPr>
+        <p:spPr/>
+        <p:txBody>
+          <a:bodyPr/>
+          <a:lstStyle/>
+          <a:p>
+            <a:r>
+              <a:rPr lang="en-US" dirty="0" smtClean="0"/>
+              <a:t>More</a:t>
+            </a:r>
+            <a:endParaRPr lang="en-US" dirty="0"/>
+          </a:p>
+        </p:txBody>
+      </p:sp>
+      <p:sp>
+        <p:nvSpPr>
+          <p:cNvPr id="3" name="Content Placeholder 2"/>
+          <p:cNvSpPr>
+            <a:spLocks noGrp="1"/>
+          </p:cNvSpPr>
+          <p:nvPr>
+            <p:ph idx="1"/>
+          </p:nvPr>
+        </p:nvSpPr>
+        <p:spPr/>
+        <p:txBody>
+          <a:bodyPr>
+            <a:normAutofit/>
+          </a:bodyPr>
+          <a:lstStyle/>
+          <a:p>
+            <a:pPr lvl="1">
+              <a:buFont typeface="Wingdings" panose="05000000000000000000" pitchFamily="2" charset="2"/>
+              <a:buChar char="§"/>
+            </a:pPr>
+            <a:endParaRPr lang="en-US" sz="2400" dirty="0" smtClean="0"/>
+          </a:p>
+          <a:p>
+            <a:pPr marL="201168" lvl="1" indent="0">
+              <a:buNone/>
+            </a:pPr>
+            <a:r>
+              <a:rPr lang="en-US" sz="2400" dirty="0" smtClean="0"/>
+              <a:t>What </a:t>
+            </a:r>
+            <a:r>
+              <a:rPr lang="en-US" sz="2400" dirty="0"/>
+              <a:t>more interesting things to do if I have more time?</a:t>
+            </a:r>
+          </a:p>
+          <a:p>
+            <a:pPr lvl="1">
+              <a:buFont typeface="Wingdings" panose="05000000000000000000" pitchFamily="2" charset="2"/>
+              <a:buChar char="§"/>
+            </a:pPr>
+            <a:r>
+              <a:rPr lang="en-US" sz="2400" dirty="0"/>
+              <a:t>Google map API for additional police stations data.</a:t>
+            </a:r>
+          </a:p>
+          <a:p>
+            <a:pPr lvl="1">
+              <a:buFont typeface="Wingdings" panose="05000000000000000000" pitchFamily="2" charset="2"/>
+              <a:buChar char="§"/>
+            </a:pPr>
+            <a:r>
+              <a:rPr lang="en-US" sz="2400" dirty="0"/>
+              <a:t>Manhattan distance, instead of straight distance calculation.</a:t>
+            </a:r>
+          </a:p>
+          <a:p>
+            <a:pPr lvl="1">
+              <a:buFont typeface="Wingdings" panose="05000000000000000000" pitchFamily="2" charset="2"/>
+              <a:buChar char="§"/>
+            </a:pPr>
+            <a:r>
+              <a:rPr lang="en-US" sz="2400" dirty="0"/>
+              <a:t>Yelp </a:t>
+            </a:r>
+            <a:r>
+              <a:rPr lang="en-US" sz="2400" dirty="0" smtClean="0"/>
+              <a:t>ratings </a:t>
+            </a:r>
+            <a:r>
+              <a:rPr lang="en-US" sz="2400" dirty="0"/>
+              <a:t>and reviews. </a:t>
+            </a:r>
+          </a:p>
+          <a:p>
+            <a:pPr lvl="1">
+              <a:buFont typeface="Wingdings" panose="05000000000000000000" pitchFamily="2" charset="2"/>
+              <a:buChar char="§"/>
+            </a:pPr>
+            <a:r>
+              <a:rPr lang="en-US" sz="2400" dirty="0"/>
+              <a:t>Natural Language Processing </a:t>
+            </a:r>
+            <a:r>
+              <a:rPr lang="en-US" sz="2400"/>
+              <a:t>for </a:t>
+            </a:r>
+            <a:r>
+              <a:rPr lang="en-US" sz="2400" smtClean="0"/>
+              <a:t>reviews.</a:t>
+            </a:r>
+            <a:endParaRPr lang="en-US" sz="2400" dirty="0"/>
+          </a:p>
+          <a:p>
+            <a:pPr lvl="1">
+              <a:buFont typeface="Wingdings" panose="05000000000000000000" pitchFamily="2" charset="2"/>
+              <a:buChar char="§"/>
+            </a:pPr>
+            <a:r>
+              <a:rPr lang="en-US" sz="2400" dirty="0"/>
+              <a:t>Automated </a:t>
+            </a:r>
+            <a:r>
+              <a:rPr lang="en-US" sz="2400" dirty="0" smtClean="0"/>
+              <a:t>gathering </a:t>
+            </a:r>
+            <a:r>
+              <a:rPr lang="en-US" sz="2400" dirty="0"/>
+              <a:t>and cleaning for the data.</a:t>
+            </a:r>
+          </a:p>
+          <a:p>
+            <a:pPr lvl="1">
+              <a:buFont typeface="Wingdings" panose="05000000000000000000" pitchFamily="2" charset="2"/>
+              <a:buChar char="§"/>
+            </a:pPr>
+            <a:r>
+              <a:rPr lang="en-US" sz="2400" dirty="0"/>
+              <a:t>Traffic density and time.</a:t>
+            </a:r>
+          </a:p>
+          <a:p>
+            <a:pPr lvl="1">
+              <a:buFont typeface="Wingdings" panose="05000000000000000000" pitchFamily="2" charset="2"/>
+              <a:buChar char="§"/>
+            </a:pPr>
+            <a:endParaRPr lang="en-US" sz="2400" dirty="0"/>
+          </a:p>
+        </p:txBody>
+      </p:sp>
+    </p:spTree>
+    <p:extLst>
+      <p:ext uri="{BB962C8B-B14F-4D97-AF65-F5344CB8AC3E}">
+        <p14:creationId xmlns:p14="http://schemas.microsoft.com/office/powerpoint/2010/main" val="581460826"/>
+      </p:ext>
+    </p:extLst>
+  </p:cSld>
+  <p:clrMapOvr>
+    <a:masterClrMapping/>
+  </p:clrMapOvr>
+  <p:timing>
+    <p:tnLst>
+      <p:par>
+        <p:cTn id="1" dur="indefinite" restart="never" nodeType="tmRoot"/>
+      </p:par>
+    </p:tnLst>
+  </p:timing>
 </p:sld>
 </file>
 
@@ -4322,7 +6197,7 @@
           <a:p>
             <a:r>
               <a:rPr lang="en-US" dirty="0" smtClean="0"/>
-              <a:t>FBI Interesting Statistics 2016</a:t>
+              <a:t>Project</a:t>
             </a:r>
             <a:endParaRPr lang="en-US" dirty="0"/>
           </a:p>
@@ -4345,77 +6220,90 @@
           </a:bodyPr>
           <a:lstStyle/>
           <a:p>
-            <a:r>
-              <a:rPr lang="en-US" sz="2400" dirty="0" smtClean="0"/>
-              <a:t>4251 robberies in 2016.</a:t>
-            </a:r>
-          </a:p>
-          <a:p>
-            <a:r>
-              <a:rPr lang="en-US" sz="2400" dirty="0" smtClean="0"/>
-              <a:t>Friday is the day with the most frequent robberies, Sat and Sun the least.</a:t>
-            </a:r>
-          </a:p>
-          <a:p>
-            <a:r>
-              <a:rPr lang="en-US" sz="2400" dirty="0" smtClean="0"/>
-              <a:t>3 Average </a:t>
-            </a:r>
-            <a:r>
-              <a:rPr lang="en-US" sz="2400" dirty="0"/>
-              <a:t>number of successful bank heists before a robber is caught</a:t>
-            </a:r>
-          </a:p>
-          <a:p>
-            <a:r>
-              <a:rPr lang="en-US" sz="2400" dirty="0" smtClean="0"/>
-              <a:t>22% of </a:t>
-            </a:r>
-            <a:r>
-              <a:rPr lang="en-US" sz="2400" dirty="0"/>
-              <a:t>U.S. bank robberies where the cash was recovered (2010</a:t>
-            </a:r>
-            <a:r>
-              <a:rPr lang="en-US" sz="2400" dirty="0" smtClean="0"/>
-              <a:t>)</a:t>
-            </a:r>
-          </a:p>
-          <a:p>
-            <a:r>
-              <a:rPr lang="en-US" sz="2400" dirty="0"/>
-              <a:t>177 </a:t>
-            </a:r>
-            <a:r>
-              <a:rPr lang="en-US" sz="2400" dirty="0" smtClean="0"/>
-              <a:t>guards on duty during robbery.</a:t>
-            </a:r>
-          </a:p>
-          <a:p>
-            <a:r>
-              <a:rPr lang="en-US" sz="2400" dirty="0" smtClean="0"/>
-              <a:t>8 robbers injured (0.002%) out of 4251 robberies.</a:t>
-            </a:r>
-            <a:endParaRPr lang="en-US" sz="2400" dirty="0"/>
-          </a:p>
-          <a:p>
-            <a:r>
-              <a:rPr lang="en-US" sz="2400" dirty="0" smtClean="0"/>
-              <a:t>Most robberies: Texas (301), New York(371), California (462)</a:t>
-            </a:r>
-            <a:endParaRPr lang="en-US" sz="2400" dirty="0"/>
+            <a:endParaRPr lang="en-US" sz="2800" dirty="0" smtClean="0"/>
+          </a:p>
+          <a:p>
+            <a:r>
+              <a:rPr lang="en-US" sz="2800" dirty="0" smtClean="0"/>
+              <a:t>Use machine learning to identify </a:t>
+            </a:r>
+            <a:r>
+              <a:rPr lang="en-US" sz="2800" dirty="0"/>
+              <a:t>vulnerable banks </a:t>
+            </a:r>
+            <a:r>
+              <a:rPr lang="en-US" sz="2800" dirty="0" smtClean="0"/>
+              <a:t>for robbery based </a:t>
+            </a:r>
+            <a:r>
+              <a:rPr lang="en-US" sz="2800" dirty="0"/>
+              <a:t>on </a:t>
+            </a:r>
+            <a:r>
+              <a:rPr lang="en-US" sz="2800" dirty="0" smtClean="0"/>
+              <a:t>$$$ </a:t>
+            </a:r>
+            <a:r>
+              <a:rPr lang="en-US" sz="2800" dirty="0"/>
+              <a:t>deposits, distance from police stations, armed civilians, bank ratings, number of officers, and crime rates</a:t>
+            </a:r>
+            <a:r>
+              <a:rPr lang="en-US" sz="2800" dirty="0" smtClean="0"/>
+              <a:t>.</a:t>
+            </a:r>
+          </a:p>
+          <a:p>
+            <a:r>
+              <a:rPr lang="en-US" sz="2800" dirty="0">
+                <a:hlinkClick r:id="rId2"/>
+              </a:rPr>
+              <a:t>https://github.com/hhalim/TargetBanks</a:t>
+            </a:r>
+            <a:r>
+              <a:rPr lang="en-US" sz="2800" dirty="0" smtClean="0">
+                <a:hlinkClick r:id="rId2"/>
+              </a:rPr>
+              <a:t>/</a:t>
+            </a:r>
+            <a:endParaRPr lang="en-US" sz="2800" dirty="0" smtClean="0"/>
+          </a:p>
+          <a:p>
+            <a:r>
+              <a:rPr lang="en-US" sz="2800" dirty="0">
+                <a:hlinkClick r:id="rId3"/>
+              </a:rPr>
+              <a:t>https://</a:t>
+            </a:r>
+            <a:r>
+              <a:rPr lang="en-US" sz="2800" dirty="0" smtClean="0">
+                <a:hlinkClick r:id="rId3"/>
+              </a:rPr>
+              <a:t>github.com/hhalim/TargetBanksJupyter</a:t>
+            </a:r>
+            <a:endParaRPr lang="en-US" sz="2800" dirty="0" smtClean="0"/>
+          </a:p>
+          <a:p>
+            <a:endParaRPr lang="en-US" sz="2800" dirty="0"/>
           </a:p>
         </p:txBody>
       </p:sp>
     </p:spTree>
     <p:extLst>
       <p:ext uri="{BB962C8B-B14F-4D97-AF65-F5344CB8AC3E}">
-        <p14:creationId xmlns:p14="http://schemas.microsoft.com/office/powerpoint/2010/main" val="2692468780"/>
+        <p14:creationId xmlns:p14="http://schemas.microsoft.com/office/powerpoint/2010/main" val="3432987701"/>
       </p:ext>
     </p:extLst>
   </p:cSld>
   <p:clrMapOvr>
     <a:masterClrMapping/>
   </p:clrMapOvr>
+  <p:timing>
+    <p:tnLst>
+      <p:par>
+        <p:cTn id="1" dur="indefinite" restart="never" nodeType="tmRoot"/>
+      </p:par>
+    </p:tnLst>
+  </p:timing>
 </p:sld>
 </file>
 
@@ -4453,7 +6341,15 @@
           <a:p>
             <a:r>
               <a:rPr lang="en-US" dirty="0" smtClean="0"/>
-              <a:t>Project</a:t>
+              <a:t>FBI </a:t>
+            </a:r>
+            <a:r>
+              <a:rPr lang="en-US" dirty="0" smtClean="0"/>
+              <a:t>Bank Crime Statistics </a:t>
+            </a:r>
+            <a:r>
+              <a:rPr lang="en-US" dirty="0" smtClean="0"/>
+              <a:t>2016</a:t>
             </a:r>
             <a:endParaRPr lang="en-US" dirty="0"/>
           </a:p>
@@ -4476,66 +6372,147 @@
           </a:bodyPr>
           <a:lstStyle/>
           <a:p>
-            <a:r>
-              <a:rPr lang="en-US" sz="3200" dirty="0"/>
-              <a:t>Identify vulnerable banks based on $ deposits, distance from police stations, armed civilians, bank ratings, number of officers, and crime rates</a:t>
-            </a:r>
-            <a:r>
-              <a:rPr lang="en-US" sz="3200" dirty="0" smtClean="0"/>
-              <a:t>.</a:t>
-            </a:r>
-          </a:p>
-          <a:p>
-            <a:r>
-              <a:rPr lang="en-US" sz="3200" dirty="0">
-                <a:hlinkClick r:id="rId2"/>
-              </a:rPr>
-              <a:t>https://github.com/hhalim/TargetBanks</a:t>
-            </a:r>
-            <a:r>
-              <a:rPr lang="en-US" sz="3200" dirty="0" smtClean="0">
-                <a:hlinkClick r:id="rId2"/>
-              </a:rPr>
-              <a:t>/</a:t>
-            </a:r>
-            <a:endParaRPr lang="en-US" sz="3200" dirty="0" smtClean="0"/>
-          </a:p>
-          <a:p>
-            <a:r>
-              <a:rPr lang="en-US" sz="3200">
-                <a:hlinkClick r:id="rId3"/>
-              </a:rPr>
-              <a:t>https</a:t>
-            </a:r>
-            <a:r>
-              <a:rPr lang="en-US" sz="3200">
-                <a:hlinkClick r:id="rId3"/>
-              </a:rPr>
-              <a:t>://</a:t>
-            </a:r>
-            <a:r>
-              <a:rPr lang="en-US" sz="3200" smtClean="0">
-                <a:hlinkClick r:id="rId3"/>
-              </a:rPr>
-              <a:t>github.com/hhalim/TargetBanksJupyter</a:t>
-            </a:r>
-            <a:endParaRPr lang="en-US" sz="3200" smtClean="0"/>
-          </a:p>
-          <a:p>
-            <a:endParaRPr lang="en-US" sz="3200" dirty="0"/>
+            <a:pPr lvl="1">
+              <a:buFont typeface="Wingdings" panose="05000000000000000000" pitchFamily="2" charset="2"/>
+              <a:buChar char="§"/>
+            </a:pPr>
+            <a:r>
+              <a:rPr lang="en-US" sz="2400" dirty="0" smtClean="0"/>
+              <a:t>4251 robberies in 2016.</a:t>
+            </a:r>
+          </a:p>
+          <a:p>
+            <a:pPr lvl="1">
+              <a:buFont typeface="Wingdings" panose="05000000000000000000" pitchFamily="2" charset="2"/>
+              <a:buChar char="§"/>
+            </a:pPr>
+            <a:r>
+              <a:rPr lang="en-US" sz="2400" dirty="0" smtClean="0"/>
+              <a:t>Friday </a:t>
+            </a:r>
+            <a:r>
+              <a:rPr lang="en-US" sz="2400" dirty="0" smtClean="0"/>
+              <a:t>(913) is </a:t>
+            </a:r>
+            <a:r>
+              <a:rPr lang="en-US" sz="2400" dirty="0" smtClean="0"/>
+              <a:t>the day with the most frequent robberies, </a:t>
+            </a:r>
+            <a:r>
+              <a:rPr lang="en-US" sz="2400" dirty="0" smtClean="0"/>
+              <a:t>Sun (51) </a:t>
+            </a:r>
+            <a:r>
+              <a:rPr lang="en-US" sz="2400" dirty="0" smtClean="0"/>
+              <a:t>the least.</a:t>
+            </a:r>
+          </a:p>
+          <a:p>
+            <a:pPr lvl="1">
+              <a:buFont typeface="Wingdings" panose="05000000000000000000" pitchFamily="2" charset="2"/>
+              <a:buChar char="§"/>
+            </a:pPr>
+            <a:r>
+              <a:rPr lang="en-US" sz="2400" dirty="0" smtClean="0"/>
+              <a:t>3 Average </a:t>
+            </a:r>
+            <a:r>
+              <a:rPr lang="en-US" sz="2400" dirty="0"/>
+              <a:t>number of successful bank heists before a robber is </a:t>
+            </a:r>
+            <a:r>
+              <a:rPr lang="en-US" sz="2400" dirty="0" smtClean="0"/>
+              <a:t>caught</a:t>
+            </a:r>
+            <a:endParaRPr lang="en-US" sz="2400" dirty="0" smtClean="0"/>
+          </a:p>
+          <a:p>
+            <a:pPr lvl="1">
+              <a:buFont typeface="Wingdings" panose="05000000000000000000" pitchFamily="2" charset="2"/>
+              <a:buChar char="§"/>
+            </a:pPr>
+            <a:r>
+              <a:rPr lang="en-US" sz="2400" dirty="0" smtClean="0"/>
+              <a:t>177 out of 240 </a:t>
+            </a:r>
+            <a:r>
+              <a:rPr lang="en-US" sz="2400" dirty="0" smtClean="0"/>
+              <a:t>guards on duty during robbery.</a:t>
+            </a:r>
+          </a:p>
+          <a:p>
+            <a:pPr lvl="1">
+              <a:buFont typeface="Wingdings" panose="05000000000000000000" pitchFamily="2" charset="2"/>
+              <a:buChar char="§"/>
+            </a:pPr>
+            <a:r>
+              <a:rPr lang="en-US" sz="2400" dirty="0" smtClean="0"/>
+              <a:t>8 robbers injured (0.002%) out of 4251 robberies</a:t>
+            </a:r>
+            <a:r>
+              <a:rPr lang="en-US" sz="2400" dirty="0" smtClean="0"/>
+              <a:t>. Guard 2, Employee 23, Customer 9.</a:t>
+            </a:r>
+            <a:endParaRPr lang="en-US" sz="2400" dirty="0"/>
+          </a:p>
+          <a:p>
+            <a:pPr lvl="1">
+              <a:buFont typeface="Wingdings" panose="05000000000000000000" pitchFamily="2" charset="2"/>
+              <a:buChar char="§"/>
+            </a:pPr>
+            <a:r>
+              <a:rPr lang="en-US" sz="2400" dirty="0" smtClean="0"/>
+              <a:t>Most robberies: Texas (301), New York(371), California (462</a:t>
+            </a:r>
+            <a:r>
+              <a:rPr lang="en-US" sz="2400" dirty="0" smtClean="0"/>
+              <a:t>), Minnesota (58)</a:t>
+            </a:r>
+          </a:p>
+          <a:p>
+            <a:pPr lvl="1">
+              <a:buFont typeface="Wingdings" panose="05000000000000000000" pitchFamily="2" charset="2"/>
+              <a:buChar char="§"/>
+            </a:pPr>
+            <a:r>
+              <a:rPr lang="en-US" sz="2400" dirty="0" smtClean="0"/>
+              <a:t>110 explosive devices used.</a:t>
+            </a:r>
+          </a:p>
+          <a:p>
+            <a:pPr lvl="1">
+              <a:buFont typeface="Wingdings" panose="05000000000000000000" pitchFamily="2" charset="2"/>
+              <a:buChar char="§"/>
+            </a:pPr>
+            <a:r>
+              <a:rPr lang="en-US" sz="2400" dirty="0"/>
+              <a:t>22% of U.S. bank robberies where the cash was recovered (2010</a:t>
+            </a:r>
+            <a:r>
+              <a:rPr lang="en-US" sz="2400" dirty="0" smtClean="0"/>
+              <a:t>). Not an FBI data.</a:t>
+            </a:r>
+            <a:endParaRPr lang="en-US" sz="2400" dirty="0"/>
           </a:p>
         </p:txBody>
       </p:sp>
     </p:spTree>
     <p:extLst>
       <p:ext uri="{BB962C8B-B14F-4D97-AF65-F5344CB8AC3E}">
-        <p14:creationId xmlns:p14="http://schemas.microsoft.com/office/powerpoint/2010/main" val="3432987701"/>
+        <p14:creationId xmlns:p14="http://schemas.microsoft.com/office/powerpoint/2010/main" val="2692468780"/>
       </p:ext>
     </p:extLst>
   </p:cSld>
   <p:clrMapOvr>
     <a:masterClrMapping/>
   </p:clrMapOvr>
+  <p:timing>
+    <p:tnLst>
+      <p:par>
+        <p:cTn id="1" dur="indefinite" restart="never" nodeType="tmRoot"/>
+      </p:par>
+    </p:tnLst>
+  </p:timing>
 </p:sld>
 </file>
 
@@ -4573,7 +6550,7 @@
           <a:p>
             <a:r>
               <a:rPr lang="en-US" dirty="0" smtClean="0"/>
-              <a:t>Data Gathering</a:t>
+              <a:t>Security Devices</a:t>
             </a:r>
             <a:endParaRPr lang="en-US" dirty="0"/>
           </a:p>
@@ -4594,56 +6571,307 @@
           <a:bodyPr/>
           <a:lstStyle/>
           <a:p>
+            <a:pPr lvl="1">
+              <a:buFont typeface="Wingdings" panose="05000000000000000000" pitchFamily="2" charset="2"/>
+              <a:buChar char="§"/>
+            </a:pPr>
+            <a:r>
+              <a:rPr lang="en-US" sz="2400" dirty="0"/>
+              <a:t>Alarm System 4,085</a:t>
+            </a:r>
+          </a:p>
+          <a:p>
+            <a:pPr lvl="1">
+              <a:buFont typeface="Wingdings" panose="05000000000000000000" pitchFamily="2" charset="2"/>
+              <a:buChar char="§"/>
+            </a:pPr>
+            <a:r>
+              <a:rPr lang="en-US" sz="2400" dirty="0"/>
+              <a:t>Surveillance Cameras 4,210</a:t>
+            </a:r>
+          </a:p>
+          <a:p>
+            <a:pPr lvl="1">
+              <a:buFont typeface="Wingdings" panose="05000000000000000000" pitchFamily="2" charset="2"/>
+              <a:buChar char="§"/>
+            </a:pPr>
+            <a:r>
+              <a:rPr lang="en-US" sz="2400" dirty="0"/>
+              <a:t>Bait Money 1,942</a:t>
+            </a:r>
+          </a:p>
+          <a:p>
+            <a:pPr lvl="1">
+              <a:buFont typeface="Wingdings" panose="05000000000000000000" pitchFamily="2" charset="2"/>
+              <a:buChar char="§"/>
+            </a:pPr>
+            <a:r>
+              <a:rPr lang="en-US" sz="2400" dirty="0"/>
+              <a:t>Guards 224</a:t>
+            </a:r>
+          </a:p>
+          <a:p>
+            <a:pPr lvl="1">
+              <a:buFont typeface="Wingdings" panose="05000000000000000000" pitchFamily="2" charset="2"/>
+              <a:buChar char="§"/>
+            </a:pPr>
+            <a:r>
+              <a:rPr lang="en-US" sz="2400" dirty="0"/>
+              <a:t>Currency Dye/Gas Packs 709</a:t>
+            </a:r>
+          </a:p>
+          <a:p>
+            <a:pPr lvl="1">
+              <a:buFont typeface="Wingdings" panose="05000000000000000000" pitchFamily="2" charset="2"/>
+              <a:buChar char="§"/>
+            </a:pPr>
+            <a:r>
+              <a:rPr lang="en-US" sz="2400" dirty="0"/>
+              <a:t>Electronic Tracking Devices 595</a:t>
+            </a:r>
+          </a:p>
+          <a:p>
+            <a:pPr lvl="1">
+              <a:buFont typeface="Wingdings" panose="05000000000000000000" pitchFamily="2" charset="2"/>
+              <a:buChar char="§"/>
+            </a:pPr>
+            <a:r>
+              <a:rPr lang="en-US" sz="2400" dirty="0"/>
+              <a:t>Bullet-Resistant Enclosures 610</a:t>
+            </a:r>
+          </a:p>
+          <a:p>
+            <a:pPr lvl="1">
+              <a:buFont typeface="Wingdings" panose="05000000000000000000" pitchFamily="2" charset="2"/>
+              <a:buChar char="§"/>
+            </a:pPr>
+            <a:r>
+              <a:rPr lang="en-US" sz="2400" dirty="0"/>
+              <a:t>Access-Controlled Entry-Way 56</a:t>
+            </a:r>
+          </a:p>
+          <a:p>
+            <a:pPr lvl="1">
+              <a:buFont typeface="Wingdings" panose="05000000000000000000" pitchFamily="2" charset="2"/>
+              <a:buChar char="§"/>
+            </a:pPr>
+            <a:r>
+              <a:rPr lang="en-US" sz="2400" dirty="0"/>
+              <a:t>Man Trap 36</a:t>
+            </a:r>
+          </a:p>
+        </p:txBody>
+      </p:sp>
+    </p:spTree>
+    <p:extLst>
+      <p:ext uri="{BB962C8B-B14F-4D97-AF65-F5344CB8AC3E}">
+        <p14:creationId xmlns:p14="http://schemas.microsoft.com/office/powerpoint/2010/main" val="2041708088"/>
+      </p:ext>
+    </p:extLst>
+  </p:cSld>
+  <p:clrMapOvr>
+    <a:masterClrMapping/>
+  </p:clrMapOvr>
+  <p:timing>
+    <p:tnLst>
+      <p:par>
+        <p:cTn id="1" dur="indefinite" restart="never" nodeType="tmRoot"/>
+      </p:par>
+    </p:tnLst>
+  </p:timing>
+</p:sld>
+</file>
+
+<file path=ppt/slides/slide5.xml><?xml version="1.0" encoding="utf-8"?>
+<p:sld xmlns:a="http://schemas.openxmlformats.org/drawingml/2006/main" xmlns:r="http://schemas.openxmlformats.org/officeDocument/2006/relationships" xmlns:p="http://schemas.openxmlformats.org/presentationml/2006/main">
+  <p:cSld>
+    <p:spTree>
+      <p:nvGrpSpPr>
+        <p:cNvPr id="1" name=""/>
+        <p:cNvGrpSpPr/>
+        <p:nvPr/>
+      </p:nvGrpSpPr>
+      <p:grpSpPr>
+        <a:xfrm>
+          <a:off x="0" y="0"/>
+          <a:ext cx="0" cy="0"/>
+          <a:chOff x="0" y="0"/>
+          <a:chExt cx="0" cy="0"/>
+        </a:xfrm>
+      </p:grpSpPr>
+      <p:sp>
+        <p:nvSpPr>
+          <p:cNvPr id="2" name="Title 1"/>
+          <p:cNvSpPr>
+            <a:spLocks noGrp="1"/>
+          </p:cNvSpPr>
+          <p:nvPr>
+            <p:ph type="title"/>
+          </p:nvPr>
+        </p:nvSpPr>
+        <p:spPr/>
+        <p:txBody>
+          <a:bodyPr/>
+          <a:lstStyle/>
+          <a:p>
             <a:r>
               <a:rPr lang="en-US" dirty="0" smtClean="0"/>
+              <a:t>Data Gathering</a:t>
+            </a:r>
+            <a:endParaRPr lang="en-US" dirty="0"/>
+          </a:p>
+        </p:txBody>
+      </p:sp>
+      <p:sp>
+        <p:nvSpPr>
+          <p:cNvPr id="3" name="Content Placeholder 2"/>
+          <p:cNvSpPr>
+            <a:spLocks noGrp="1"/>
+          </p:cNvSpPr>
+          <p:nvPr>
+            <p:ph idx="1"/>
+          </p:nvPr>
+        </p:nvSpPr>
+        <p:spPr/>
+        <p:txBody>
+          <a:bodyPr>
+            <a:normAutofit/>
+          </a:bodyPr>
+          <a:lstStyle/>
+          <a:p>
+            <a:pPr lvl="1">
+              <a:buFont typeface="Wingdings" panose="05000000000000000000" pitchFamily="2" charset="2"/>
+              <a:buChar char="§"/>
+            </a:pPr>
+            <a:endParaRPr lang="en-US" sz="2400" dirty="0" smtClean="0"/>
+          </a:p>
+          <a:p>
+            <a:pPr lvl="1">
+              <a:buFont typeface="Wingdings" panose="05000000000000000000" pitchFamily="2" charset="2"/>
+              <a:buChar char="§"/>
+            </a:pPr>
+            <a:r>
+              <a:rPr lang="en-US" sz="2400" dirty="0" smtClean="0"/>
               <a:t>FBI </a:t>
             </a:r>
             <a:r>
-              <a:rPr lang="en-US" dirty="0"/>
+              <a:rPr lang="en-US" sz="2400" dirty="0"/>
               <a:t>Crime Data </a:t>
             </a:r>
-          </a:p>
-          <a:p>
-            <a:r>
-              <a:rPr lang="en-US" dirty="0">
+            <a:r>
+              <a:rPr lang="en-US" sz="2400" dirty="0" smtClean="0">
                 <a:hlinkClick r:id="rId2"/>
               </a:rPr>
-              <a:t>https://ucr.fbi.gov/crime-in-the-u.s./2016</a:t>
-            </a:r>
-            <a:endParaRPr lang="en-US" dirty="0"/>
-          </a:p>
-          <a:p>
-            <a:r>
-              <a:rPr lang="en-US" dirty="0"/>
+              <a:t>https</a:t>
+            </a:r>
+            <a:r>
+              <a:rPr lang="en-US" sz="2400" dirty="0">
+                <a:hlinkClick r:id="rId2"/>
+              </a:rPr>
+              <a:t>://ucr.fbi.gov/crime-in-the-u.s./2016</a:t>
+            </a:r>
+            <a:endParaRPr lang="en-US" sz="2400" dirty="0"/>
+          </a:p>
+          <a:p>
+            <a:pPr lvl="1">
+              <a:buFont typeface="Wingdings" panose="05000000000000000000" pitchFamily="2" charset="2"/>
+              <a:buChar char="§"/>
+            </a:pPr>
+            <a:r>
+              <a:rPr lang="en-US" sz="2400" dirty="0"/>
               <a:t>FBI Police Employment Numbers </a:t>
             </a:r>
-          </a:p>
-          <a:p>
-            <a:r>
-              <a:rPr lang="en-US" dirty="0">
+            <a:r>
+              <a:rPr lang="en-US" sz="2400" dirty="0" smtClean="0">
                 <a:hlinkClick r:id="rId3"/>
               </a:rPr>
-              <a:t>https://ucr.fbi.gov/crime-in-the-u.s/2016/crime-in-the-u.s.-2016/tables/table-26/table-26.xls/view</a:t>
-            </a:r>
-            <a:endParaRPr lang="en-US" dirty="0"/>
-          </a:p>
-          <a:p>
-            <a:r>
-              <a:rPr lang="en-US" dirty="0"/>
-              <a:t>Federal Firearms License Holders</a:t>
-            </a:r>
-          </a:p>
-          <a:p>
-            <a:r>
-              <a:rPr lang="en-US" dirty="0">
+              <a:t>https</a:t>
+            </a:r>
+            <a:r>
+              <a:rPr lang="en-US" sz="2400" dirty="0">
+                <a:hlinkClick r:id="rId3"/>
+              </a:rPr>
+              <a:t>://ucr.fbi.gov/crime-in-the-u.s/2016/crime-in-the-u.s.-2016/tables/table-26/table-26.xls/view</a:t>
+            </a:r>
+            <a:endParaRPr lang="en-US" sz="2400" dirty="0"/>
+          </a:p>
+          <a:p>
+            <a:pPr lvl="1">
+              <a:buFont typeface="Wingdings" panose="05000000000000000000" pitchFamily="2" charset="2"/>
+              <a:buChar char="§"/>
+            </a:pPr>
+            <a:r>
+              <a:rPr lang="en-US" sz="2400" dirty="0"/>
+              <a:t>Federal Firearms License </a:t>
+            </a:r>
+            <a:r>
+              <a:rPr lang="en-US" sz="2400" dirty="0" smtClean="0"/>
+              <a:t>Holders </a:t>
+            </a:r>
+            <a:r>
+              <a:rPr lang="en-US" sz="2400" dirty="0" smtClean="0">
                 <a:hlinkClick r:id="rId4"/>
               </a:rPr>
-              <a:t>https://www.atf.gov/resource-center/data-statistics</a:t>
-            </a:r>
-            <a:endParaRPr lang="en-US" dirty="0"/>
-          </a:p>
-          <a:p>
-            <a:endParaRPr lang="en-US" dirty="0"/>
+              <a:t>https</a:t>
+            </a:r>
+            <a:r>
+              <a:rPr lang="en-US" sz="2400" dirty="0">
+                <a:hlinkClick r:id="rId4"/>
+              </a:rPr>
+              <a:t>://www.atf.gov/resource-center/data-statistics</a:t>
+            </a:r>
+            <a:endParaRPr lang="en-US" sz="2400" dirty="0"/>
+          </a:p>
+          <a:p>
+            <a:pPr lvl="1">
+              <a:buFont typeface="Wingdings" panose="05000000000000000000" pitchFamily="2" charset="2"/>
+              <a:buChar char="§"/>
+            </a:pPr>
+            <a:r>
+              <a:rPr lang="en-US" sz="2400" dirty="0" smtClean="0"/>
+              <a:t>Federal </a:t>
+            </a:r>
+            <a:r>
+              <a:rPr lang="en-US" sz="2400" dirty="0"/>
+              <a:t>Deposit Insurance Corporations </a:t>
+            </a:r>
+            <a:r>
+              <a:rPr lang="en-US" sz="2400" dirty="0">
+                <a:hlinkClick r:id="rId5"/>
+              </a:rPr>
+              <a:t>http://www5.fdic.gov</a:t>
+            </a:r>
+            <a:endParaRPr lang="en-US" sz="2400" dirty="0"/>
+          </a:p>
+          <a:p>
+            <a:pPr lvl="1">
+              <a:buFont typeface="Wingdings" panose="05000000000000000000" pitchFamily="2" charset="2"/>
+              <a:buChar char="§"/>
+            </a:pPr>
+            <a:r>
+              <a:rPr lang="en-US" sz="2400" dirty="0"/>
+              <a:t>Policeone.com </a:t>
+            </a:r>
+            <a:r>
+              <a:rPr lang="en-US" sz="2400" dirty="0">
+                <a:hlinkClick r:id="rId6"/>
+              </a:rPr>
+              <a:t>http://www.policeone.com/law-enforcement-directory/</a:t>
+            </a:r>
+            <a:endParaRPr lang="en-US" sz="2400" dirty="0"/>
+          </a:p>
+          <a:p>
+            <a:pPr lvl="1">
+              <a:buFont typeface="Wingdings" panose="05000000000000000000" pitchFamily="2" charset="2"/>
+              <a:buChar char="§"/>
+            </a:pPr>
+            <a:r>
+              <a:rPr lang="en-US" sz="2400" dirty="0"/>
+              <a:t>Google Place API for ratings and reviews.</a:t>
+            </a:r>
+          </a:p>
+          <a:p>
+            <a:endParaRPr lang="en-US" sz="2400" dirty="0"/>
           </a:p>
         </p:txBody>
       </p:sp>
@@ -4657,10 +6885,17 @@
   <p:clrMapOvr>
     <a:masterClrMapping/>
   </p:clrMapOvr>
+  <p:timing>
+    <p:tnLst>
+      <p:par>
+        <p:cTn id="1" dur="indefinite" restart="never" nodeType="tmRoot"/>
+      </p:par>
+    </p:tnLst>
+  </p:timing>
 </p:sld>
 </file>
 
-<file path=ppt/slides/slide5.xml><?xml version="1.0" encoding="utf-8"?>
+<file path=ppt/slides/slide6.xml><?xml version="1.0" encoding="utf-8"?>
 <p:sld xmlns:a="http://schemas.openxmlformats.org/drawingml/2006/main" xmlns:r="http://schemas.openxmlformats.org/officeDocument/2006/relationships" xmlns:p="http://schemas.openxmlformats.org/presentationml/2006/main">
   <p:cSld>
     <p:spTree>
@@ -4747,127 +6982,13 @@
   <p:clrMapOvr>
     <a:masterClrMapping/>
   </p:clrMapOvr>
-</p:sld>
-</file>
-
-<file path=ppt/slides/slide6.xml><?xml version="1.0" encoding="utf-8"?>
-<p:sld xmlns:a="http://schemas.openxmlformats.org/drawingml/2006/main" xmlns:r="http://schemas.openxmlformats.org/officeDocument/2006/relationships" xmlns:p="http://schemas.openxmlformats.org/presentationml/2006/main">
-  <p:cSld>
-    <p:spTree>
-      <p:nvGrpSpPr>
-        <p:cNvPr id="1" name=""/>
-        <p:cNvGrpSpPr/>
-        <p:nvPr/>
-      </p:nvGrpSpPr>
-      <p:grpSpPr>
-        <a:xfrm>
-          <a:off x="0" y="0"/>
-          <a:ext cx="0" cy="0"/>
-          <a:chOff x="0" y="0"/>
-          <a:chExt cx="0" cy="0"/>
-        </a:xfrm>
-      </p:grpSpPr>
-      <p:sp>
-        <p:nvSpPr>
-          <p:cNvPr id="2" name="Title 1"/>
-          <p:cNvSpPr>
-            <a:spLocks noGrp="1"/>
-          </p:cNvSpPr>
-          <p:nvPr>
-            <p:ph type="title"/>
-          </p:nvPr>
-        </p:nvSpPr>
-        <p:spPr/>
-        <p:txBody>
-          <a:bodyPr/>
-          <a:lstStyle/>
-          <a:p>
-            <a:r>
-              <a:rPr lang="en-US" dirty="0" smtClean="0"/>
-              <a:t>Data Gathering</a:t>
-            </a:r>
-            <a:endParaRPr lang="en-US" dirty="0"/>
-          </a:p>
-        </p:txBody>
-      </p:sp>
-      <p:sp>
-        <p:nvSpPr>
-          <p:cNvPr id="3" name="Content Placeholder 2"/>
-          <p:cNvSpPr>
-            <a:spLocks noGrp="1"/>
-          </p:cNvSpPr>
-          <p:nvPr>
-            <p:ph idx="1"/>
-          </p:nvPr>
-        </p:nvSpPr>
-        <p:spPr/>
-        <p:txBody>
-          <a:bodyPr/>
-          <a:lstStyle/>
-          <a:p>
-            <a:r>
-              <a:rPr lang="en-US" dirty="0" smtClean="0"/>
-              <a:t>Web scraping / API:</a:t>
-            </a:r>
-            <a:endParaRPr lang="en-US" dirty="0"/>
-          </a:p>
-          <a:p>
-            <a:r>
-              <a:rPr lang="en-US" dirty="0"/>
-              <a:t>Federal Deposit Insurance Corporations </a:t>
-            </a:r>
-            <a:r>
-              <a:rPr lang="en-US" dirty="0" smtClean="0">
-                <a:hlinkClick r:id="rId2"/>
-              </a:rPr>
-              <a:t>http</a:t>
-            </a:r>
-            <a:r>
-              <a:rPr lang="en-US" dirty="0">
-                <a:hlinkClick r:id="rId2"/>
-              </a:rPr>
-              <a:t>://www5.fdic.gov</a:t>
-            </a:r>
-            <a:endParaRPr lang="en-US" dirty="0"/>
-          </a:p>
-          <a:p>
-            <a:r>
-              <a:rPr lang="en-US" dirty="0" smtClean="0"/>
-              <a:t>Policeone.com </a:t>
-            </a:r>
-            <a:r>
-              <a:rPr lang="en-US" dirty="0" smtClean="0">
-                <a:hlinkClick r:id="rId3"/>
-              </a:rPr>
-              <a:t>http://www.policeone.com/law-enforcement-directory/</a:t>
-            </a:r>
-            <a:endParaRPr lang="en-US" dirty="0"/>
-          </a:p>
-          <a:p>
-            <a:r>
-              <a:rPr lang="en-US" dirty="0" smtClean="0"/>
-              <a:t>Google Map API for latitude and longitude.</a:t>
-            </a:r>
-          </a:p>
-          <a:p>
-            <a:r>
-              <a:rPr lang="en-US" dirty="0" smtClean="0"/>
-              <a:t>Google Place API for ratings.</a:t>
-            </a:r>
-            <a:endParaRPr lang="en-US" dirty="0"/>
-          </a:p>
-        </p:txBody>
-      </p:sp>
-    </p:spTree>
-    <p:extLst>
-      <p:ext uri="{BB962C8B-B14F-4D97-AF65-F5344CB8AC3E}">
-        <p14:creationId xmlns:p14="http://schemas.microsoft.com/office/powerpoint/2010/main" val="3561640278"/>
-      </p:ext>
-    </p:extLst>
-  </p:cSld>
-  <p:clrMapOvr>
-    <a:masterClrMapping/>
-  </p:clrMapOvr>
+  <p:timing>
+    <p:tnLst>
+      <p:par>
+        <p:cTn id="1" dur="indefinite" restart="never" nodeType="tmRoot"/>
+      </p:par>
+    </p:tnLst>
+  </p:timing>
 </p:sld>
 </file>
 
@@ -4958,10 +7079,84 @@
   <p:clrMapOvr>
     <a:masterClrMapping/>
   </p:clrMapOvr>
+  <p:timing>
+    <p:tnLst>
+      <p:par>
+        <p:cTn id="1" dur="indefinite" restart="never" nodeType="tmRoot"/>
+      </p:par>
+    </p:tnLst>
+  </p:timing>
 </p:sld>
 </file>
 
 <file path=ppt/slides/slide8.xml><?xml version="1.0" encoding="utf-8"?>
+<p:sld xmlns:a="http://schemas.openxmlformats.org/drawingml/2006/main" xmlns:r="http://schemas.openxmlformats.org/officeDocument/2006/relationships" xmlns:p="http://schemas.openxmlformats.org/presentationml/2006/main">
+  <p:cSld>
+    <p:spTree>
+      <p:nvGrpSpPr>
+        <p:cNvPr id="1" name=""/>
+        <p:cNvGrpSpPr/>
+        <p:nvPr/>
+      </p:nvGrpSpPr>
+      <p:grpSpPr>
+        <a:xfrm>
+          <a:off x="0" y="0"/>
+          <a:ext cx="0" cy="0"/>
+          <a:chOff x="0" y="0"/>
+          <a:chExt cx="0" cy="0"/>
+        </a:xfrm>
+      </p:grpSpPr>
+      <p:pic>
+        <p:nvPicPr>
+          <p:cNvPr id="2" name="Picture 1"/>
+          <p:cNvPicPr>
+            <a:picLocks noChangeAspect="1"/>
+          </p:cNvPicPr>
+          <p:nvPr/>
+        </p:nvPicPr>
+        <p:blipFill>
+          <a:blip r:embed="rId3">
+            <a:extLst>
+              <a:ext uri="{28A0092B-C50C-407E-A947-70E740481C1C}">
+                <a14:useLocalDpi xmlns:a14="http://schemas.microsoft.com/office/drawing/2010/main" val="0"/>
+              </a:ext>
+            </a:extLst>
+          </a:blip>
+          <a:stretch>
+            <a:fillRect/>
+          </a:stretch>
+        </p:blipFill>
+        <p:spPr>
+          <a:xfrm>
+            <a:off x="1051043" y="99174"/>
+            <a:ext cx="10089915" cy="6567296"/>
+          </a:xfrm>
+          <a:prstGeom prst="rect">
+            <a:avLst/>
+          </a:prstGeom>
+        </p:spPr>
+      </p:pic>
+    </p:spTree>
+    <p:extLst>
+      <p:ext uri="{BB962C8B-B14F-4D97-AF65-F5344CB8AC3E}">
+        <p14:creationId xmlns:p14="http://schemas.microsoft.com/office/powerpoint/2010/main" val="2291617695"/>
+      </p:ext>
+    </p:extLst>
+  </p:cSld>
+  <p:clrMapOvr>
+    <a:masterClrMapping/>
+  </p:clrMapOvr>
+  <p:timing>
+    <p:tnLst>
+      <p:par>
+        <p:cTn id="1" dur="indefinite" restart="never" nodeType="tmRoot"/>
+      </p:par>
+    </p:tnLst>
+  </p:timing>
+</p:sld>
+</file>
+
+<file path=ppt/slides/slide9.xml><?xml version="1.0" encoding="utf-8"?>
 <p:sld xmlns:a="http://schemas.openxmlformats.org/drawingml/2006/main" xmlns:r="http://schemas.openxmlformats.org/officeDocument/2006/relationships" xmlns:p="http://schemas.openxmlformats.org/presentationml/2006/main">
   <p:cSld>
     <p:spTree>
@@ -5000,7 +7195,7 @@
         </p:blipFill>
         <p:spPr>
           <a:xfrm>
-            <a:off x="2240692" y="0"/>
+            <a:off x="2129481" y="63305"/>
             <a:ext cx="7933038" cy="6693774"/>
           </a:xfrm>
           <a:prstGeom prst="rect">
@@ -5018,166 +7213,13 @@
   <p:clrMapOvr>
     <a:masterClrMapping/>
   </p:clrMapOvr>
-</p:sld>
-</file>
-
-<file path=ppt/slides/slide9.xml><?xml version="1.0" encoding="utf-8"?>
-<p:sld xmlns:a="http://schemas.openxmlformats.org/drawingml/2006/main" xmlns:r="http://schemas.openxmlformats.org/officeDocument/2006/relationships" xmlns:p="http://schemas.openxmlformats.org/presentationml/2006/main">
-  <p:cSld>
-    <p:spTree>
-      <p:nvGrpSpPr>
-        <p:cNvPr id="1" name=""/>
-        <p:cNvGrpSpPr/>
-        <p:nvPr/>
-      </p:nvGrpSpPr>
-      <p:grpSpPr>
-        <a:xfrm>
-          <a:off x="0" y="0"/>
-          <a:ext cx="0" cy="0"/>
-          <a:chOff x="0" y="0"/>
-          <a:chExt cx="0" cy="0"/>
-        </a:xfrm>
-      </p:grpSpPr>
-      <p:sp>
-        <p:nvSpPr>
-          <p:cNvPr id="2" name="Title 1"/>
-          <p:cNvSpPr>
-            <a:spLocks noGrp="1"/>
-          </p:cNvSpPr>
-          <p:nvPr>
-            <p:ph type="title"/>
-          </p:nvPr>
-        </p:nvSpPr>
-        <p:spPr/>
-        <p:txBody>
-          <a:bodyPr/>
-          <a:lstStyle/>
-          <a:p>
-            <a:r>
-              <a:rPr lang="en-US" dirty="0" smtClean="0"/>
-              <a:t>Data Cleaning, Imputation, Features</a:t>
-            </a:r>
-            <a:endParaRPr lang="en-US" dirty="0"/>
-          </a:p>
-        </p:txBody>
-      </p:sp>
-      <p:sp>
-        <p:nvSpPr>
-          <p:cNvPr id="3" name="Content Placeholder 2"/>
-          <p:cNvSpPr>
-            <a:spLocks noGrp="1"/>
-          </p:cNvSpPr>
-          <p:nvPr>
-            <p:ph idx="1"/>
-          </p:nvPr>
-        </p:nvSpPr>
-        <p:spPr/>
-        <p:txBody>
-          <a:bodyPr/>
-          <a:lstStyle/>
-          <a:p>
-            <a:r>
-              <a:rPr lang="en-US" dirty="0" smtClean="0"/>
-              <a:t>Removed duplicates, filled in some missing data or wrong addresses.</a:t>
-            </a:r>
-          </a:p>
-          <a:p>
-            <a:r>
-              <a:rPr lang="en-US" dirty="0" smtClean="0"/>
-              <a:t>Latitude and longitude data using Google map API.</a:t>
-            </a:r>
-          </a:p>
-          <a:p>
-            <a:r>
-              <a:rPr lang="en-US" dirty="0" smtClean="0"/>
-              <a:t>Features:</a:t>
-            </a:r>
-          </a:p>
-          <a:p>
-            <a:pPr lvl="1">
-              <a:buFont typeface="Wingdings" panose="05000000000000000000" pitchFamily="2" charset="2"/>
-              <a:buChar char="§"/>
-            </a:pPr>
-            <a:r>
-              <a:rPr lang="en-US" sz="2000" dirty="0" smtClean="0"/>
-              <a:t>Number of closest Police Stations within 10 miles for each bank.</a:t>
-            </a:r>
-          </a:p>
-          <a:p>
-            <a:pPr lvl="1">
-              <a:buFont typeface="Wingdings" panose="05000000000000000000" pitchFamily="2" charset="2"/>
-              <a:buChar char="§"/>
-            </a:pPr>
-            <a:r>
-              <a:rPr lang="en-US" sz="2000" dirty="0" smtClean="0"/>
-              <a:t>Closest distance to the Police Station for each bank.</a:t>
-            </a:r>
-          </a:p>
-          <a:p>
-            <a:pPr lvl="1">
-              <a:buFont typeface="Wingdings" panose="05000000000000000000" pitchFamily="2" charset="2"/>
-              <a:buChar char="§"/>
-            </a:pPr>
-            <a:r>
-              <a:rPr lang="en-US" sz="2000" dirty="0" smtClean="0"/>
-              <a:t>Number of FFL within 5 miles for each bank.</a:t>
-            </a:r>
-          </a:p>
-          <a:p>
-            <a:pPr lvl="1">
-              <a:buFont typeface="Wingdings" panose="05000000000000000000" pitchFamily="2" charset="2"/>
-              <a:buChar char="§"/>
-            </a:pPr>
-            <a:r>
-              <a:rPr lang="en-US" sz="2000" dirty="0" smtClean="0"/>
-              <a:t>Officers number per 1000 population.</a:t>
-            </a:r>
-          </a:p>
-          <a:p>
-            <a:pPr lvl="1">
-              <a:buFont typeface="Wingdings" panose="05000000000000000000" pitchFamily="2" charset="2"/>
-              <a:buChar char="§"/>
-            </a:pPr>
-            <a:r>
-              <a:rPr lang="en-US" sz="2000" dirty="0" smtClean="0"/>
-              <a:t>Possible $ take for each bank (0.05% of FDIC deposit)</a:t>
-            </a:r>
-          </a:p>
-          <a:p>
-            <a:pPr lvl="1">
-              <a:buFont typeface="Wingdings" panose="05000000000000000000" pitchFamily="2" charset="2"/>
-              <a:buChar char="§"/>
-            </a:pPr>
-            <a:r>
-              <a:rPr lang="en-US" sz="2000" dirty="0" smtClean="0"/>
-              <a:t>Probability of getting caught by closest distance to Police Stations </a:t>
-            </a:r>
-          </a:p>
-          <a:p>
-            <a:pPr marL="384048" lvl="2" indent="0">
-              <a:buNone/>
-            </a:pPr>
-            <a:r>
-              <a:rPr lang="en-US" sz="2400" dirty="0" smtClean="0"/>
-              <a:t>y = 70 – 10x</a:t>
-            </a:r>
-          </a:p>
-          <a:p>
-            <a:pPr lvl="1"/>
-            <a:endParaRPr lang="en-US" sz="2000" dirty="0" smtClean="0"/>
-          </a:p>
-        </p:txBody>
-      </p:sp>
-    </p:spTree>
-    <p:extLst>
-      <p:ext uri="{BB962C8B-B14F-4D97-AF65-F5344CB8AC3E}">
-        <p14:creationId xmlns:p14="http://schemas.microsoft.com/office/powerpoint/2010/main" val="1487431042"/>
-      </p:ext>
-    </p:extLst>
-  </p:cSld>
-  <p:clrMapOvr>
-    <a:masterClrMapping/>
-  </p:clrMapOvr>
+  <p:timing>
+    <p:tnLst>
+      <p:par>
+        <p:cTn id="1" dur="indefinite" restart="never" nodeType="tmRoot"/>
+      </p:par>
+    </p:tnLst>
+  </p:timing>
 </p:sld>
 </file>
 
@@ -5462,4 +7504,265 @@
     </a:ext>
   </a:extLst>
 </a:theme>
+</file>
+
+<file path=ppt/theme/theme2.xml><?xml version="1.0" encoding="utf-8"?>
+<a:theme xmlns:a="http://schemas.openxmlformats.org/drawingml/2006/main" name="Office Theme">
+  <a:themeElements>
+    <a:clrScheme name="Office">
+      <a:dk1>
+        <a:sysClr val="windowText" lastClr="000000"/>
+      </a:dk1>
+      <a:lt1>
+        <a:sysClr val="window" lastClr="FFFFFF"/>
+      </a:lt1>
+      <a:dk2>
+        <a:srgbClr val="44546A"/>
+      </a:dk2>
+      <a:lt2>
+        <a:srgbClr val="E7E6E6"/>
+      </a:lt2>
+      <a:accent1>
+        <a:srgbClr val="5B9BD5"/>
+      </a:accent1>
+      <a:accent2>
+        <a:srgbClr val="ED7D31"/>
+      </a:accent2>
+      <a:accent3>
+        <a:srgbClr val="A5A5A5"/>
+      </a:accent3>
+      <a:accent4>
+        <a:srgbClr val="FFC000"/>
+      </a:accent4>
+      <a:accent5>
+        <a:srgbClr val="4472C4"/>
+      </a:accent5>
+      <a:accent6>
+        <a:srgbClr val="70AD47"/>
+      </a:accent6>
+      <a:hlink>
+        <a:srgbClr val="0563C1"/>
+      </a:hlink>
+      <a:folHlink>
+        <a:srgbClr val="954F72"/>
+      </a:folHlink>
+    </a:clrScheme>
+    <a:fontScheme name="Office">
+      <a:majorFont>
+        <a:latin typeface="Calibri Light" panose="020F0302020204030204"/>
+        <a:ea typeface=""/>
+        <a:cs typeface=""/>
+        <a:font script="Jpan" typeface="ＭＳ Ｐゴシック"/>
+        <a:font script="Hang" typeface="맑은 고딕"/>
+        <a:font script="Hans" typeface="宋体"/>
+        <a:font script="Hant" typeface="新細明體"/>
+        <a:font script="Arab" typeface="Times New Roman"/>
+        <a:font script="Hebr" typeface="Times New Roman"/>
+        <a:font script="Thai" typeface="Angsana New"/>
+        <a:font script="Ethi" typeface="Nyala"/>
+        <a:font script="Beng" typeface="Vrinda"/>
+        <a:font script="Gujr" typeface="Shruti"/>
+        <a:font script="Khmr" typeface="MoolBoran"/>
+        <a:font script="Knda" typeface="Tunga"/>
+        <a:font script="Guru" typeface="Raavi"/>
+        <a:font script="Cans" typeface="Euphemia"/>
+        <a:font script="Cher" typeface="Plantagenet Cherokee"/>
+        <a:font script="Yiii" typeface="Microsoft Yi Baiti"/>
+        <a:font script="Tibt" typeface="Microsoft Himalaya"/>
+        <a:font script="Thaa" typeface="MV Boli"/>
+        <a:font script="Deva" typeface="Mangal"/>
+        <a:font script="Telu" typeface="Gautami"/>
+        <a:font script="Taml" typeface="Latha"/>
+        <a:font script="Syrc" typeface="Estrangelo Edessa"/>
+        <a:font script="Orya" typeface="Kalinga"/>
+        <a:font script="Mlym" typeface="Kartika"/>
+        <a:font script="Laoo" typeface="DokChampa"/>
+        <a:font script="Sinh" typeface="Iskoola Pota"/>
+        <a:font script="Mong" typeface="Mongolian Baiti"/>
+        <a:font script="Viet" typeface="Times New Roman"/>
+        <a:font script="Uigh" typeface="Microsoft Uighur"/>
+        <a:font script="Geor" typeface="Sylfaen"/>
+      </a:majorFont>
+      <a:minorFont>
+        <a:latin typeface="Calibri" panose="020F0502020204030204"/>
+        <a:ea typeface=""/>
+        <a:cs typeface=""/>
+        <a:font script="Jpan" typeface="ＭＳ Ｐゴシック"/>
+        <a:font script="Hang" typeface="맑은 고딕"/>
+        <a:font script="Hans" typeface="宋体"/>
+        <a:font script="Hant" typeface="新細明體"/>
+        <a:font script="Arab" typeface="Arial"/>
+        <a:font script="Hebr" typeface="Arial"/>
+        <a:font script="Thai" typeface="Cordia New"/>
+        <a:font script="Ethi" typeface="Nyala"/>
+        <a:font script="Beng" typeface="Vrinda"/>
+        <a:font script="Gujr" typeface="Shruti"/>
+        <a:font script="Khmr" typeface="DaunPenh"/>
+        <a:font script="Knda" typeface="Tunga"/>
+        <a:font script="Guru" typeface="Raavi"/>
+        <a:font script="Cans" typeface="Euphemia"/>
+        <a:font script="Cher" typeface="Plantagenet Cherokee"/>
+        <a:font script="Yiii" typeface="Microsoft Yi Baiti"/>
+        <a:font script="Tibt" typeface="Microsoft Himalaya"/>
+        <a:font script="Thaa" typeface="MV Boli"/>
+        <a:font script="Deva" typeface="Mangal"/>
+        <a:font script="Telu" typeface="Gautami"/>
+        <a:font script="Taml" typeface="Latha"/>
+        <a:font script="Syrc" typeface="Estrangelo Edessa"/>
+        <a:font script="Orya" typeface="Kalinga"/>
+        <a:font script="Mlym" typeface="Kartika"/>
+        <a:font script="Laoo" typeface="DokChampa"/>
+        <a:font script="Sinh" typeface="Iskoola Pota"/>
+        <a:font script="Mong" typeface="Mongolian Baiti"/>
+        <a:font script="Viet" typeface="Arial"/>
+        <a:font script="Uigh" typeface="Microsoft Uighur"/>
+        <a:font script="Geor" typeface="Sylfaen"/>
+      </a:minorFont>
+    </a:fontScheme>
+    <a:fmtScheme name="Office">
+      <a:fillStyleLst>
+        <a:solidFill>
+          <a:schemeClr val="phClr"/>
+        </a:solidFill>
+        <a:gradFill rotWithShape="1">
+          <a:gsLst>
+            <a:gs pos="0">
+              <a:schemeClr val="phClr">
+                <a:lumMod val="110000"/>
+                <a:satMod val="105000"/>
+                <a:tint val="67000"/>
+              </a:schemeClr>
+            </a:gs>
+            <a:gs pos="50000">
+              <a:schemeClr val="phClr">
+                <a:lumMod val="105000"/>
+                <a:satMod val="103000"/>
+                <a:tint val="73000"/>
+              </a:schemeClr>
+            </a:gs>
+            <a:gs pos="100000">
+              <a:schemeClr val="phClr">
+                <a:lumMod val="105000"/>
+                <a:satMod val="109000"/>
+                <a:tint val="81000"/>
+              </a:schemeClr>
+            </a:gs>
+          </a:gsLst>
+          <a:lin ang="5400000" scaled="0"/>
+        </a:gradFill>
+        <a:gradFill rotWithShape="1">
+          <a:gsLst>
+            <a:gs pos="0">
+              <a:schemeClr val="phClr">
+                <a:satMod val="103000"/>
+                <a:lumMod val="102000"/>
+                <a:tint val="94000"/>
+              </a:schemeClr>
+            </a:gs>
+            <a:gs pos="50000">
+              <a:schemeClr val="phClr">
+                <a:satMod val="110000"/>
+                <a:lumMod val="100000"/>
+                <a:shade val="100000"/>
+              </a:schemeClr>
+            </a:gs>
+            <a:gs pos="100000">
+              <a:schemeClr val="phClr">
+                <a:lumMod val="99000"/>
+                <a:satMod val="120000"/>
+                <a:shade val="78000"/>
+              </a:schemeClr>
+            </a:gs>
+          </a:gsLst>
+          <a:lin ang="5400000" scaled="0"/>
+        </a:gradFill>
+      </a:fillStyleLst>
+      <a:lnStyleLst>
+        <a:ln w="6350" cap="flat" cmpd="sng" algn="ctr">
+          <a:solidFill>
+            <a:schemeClr val="phClr"/>
+          </a:solidFill>
+          <a:prstDash val="solid"/>
+          <a:miter lim="800000"/>
+        </a:ln>
+        <a:ln w="12700" cap="flat" cmpd="sng" algn="ctr">
+          <a:solidFill>
+            <a:schemeClr val="phClr"/>
+          </a:solidFill>
+          <a:prstDash val="solid"/>
+          <a:miter lim="800000"/>
+        </a:ln>
+        <a:ln w="19050" cap="flat" cmpd="sng" algn="ctr">
+          <a:solidFill>
+            <a:schemeClr val="phClr"/>
+          </a:solidFill>
+          <a:prstDash val="solid"/>
+          <a:miter lim="800000"/>
+        </a:ln>
+      </a:lnStyleLst>
+      <a:effectStyleLst>
+        <a:effectStyle>
+          <a:effectLst/>
+        </a:effectStyle>
+        <a:effectStyle>
+          <a:effectLst/>
+        </a:effectStyle>
+        <a:effectStyle>
+          <a:effectLst>
+            <a:outerShdw blurRad="57150" dist="19050" dir="5400000" algn="ctr" rotWithShape="0">
+              <a:srgbClr val="000000">
+                <a:alpha val="63000"/>
+              </a:srgbClr>
+            </a:outerShdw>
+          </a:effectLst>
+        </a:effectStyle>
+      </a:effectStyleLst>
+      <a:bgFillStyleLst>
+        <a:solidFill>
+          <a:schemeClr val="phClr"/>
+        </a:solidFill>
+        <a:solidFill>
+          <a:schemeClr val="phClr">
+            <a:tint val="95000"/>
+            <a:satMod val="170000"/>
+          </a:schemeClr>
+        </a:solidFill>
+        <a:gradFill rotWithShape="1">
+          <a:gsLst>
+            <a:gs pos="0">
+              <a:schemeClr val="phClr">
+                <a:tint val="93000"/>
+                <a:satMod val="150000"/>
+                <a:shade val="98000"/>
+                <a:lumMod val="102000"/>
+              </a:schemeClr>
+            </a:gs>
+            <a:gs pos="50000">
+              <a:schemeClr val="phClr">
+                <a:tint val="98000"/>
+                <a:satMod val="130000"/>
+                <a:shade val="90000"/>
+                <a:lumMod val="103000"/>
+              </a:schemeClr>
+            </a:gs>
+            <a:gs pos="100000">
+              <a:schemeClr val="phClr">
+                <a:shade val="63000"/>
+                <a:satMod val="120000"/>
+              </a:schemeClr>
+            </a:gs>
+          </a:gsLst>
+          <a:lin ang="5400000" scaled="0"/>
+        </a:gradFill>
+      </a:bgFillStyleLst>
+    </a:fmtScheme>
+  </a:themeElements>
+  <a:objectDefaults/>
+  <a:extraClrSchemeLst/>
+  <a:extLst>
+    <a:ext uri="{05A4C25C-085E-4340-85A3-A5531E510DB2}">
+      <thm15:themeFamily xmlns:thm15="http://schemas.microsoft.com/office/thememl/2012/main" name="Office Theme" id="{62F939B6-93AF-4DB8-9C6B-D6C7DFDC589F}" vid="{4A3C46E8-61CC-4603-A589-7422A47A8E4A}"/>
+    </a:ext>
+  </a:extLst>
+</a:theme>
 </file>
--- a/Which Banks To Rob.pptx
+++ b/Which Banks To Rob.pptx
@@ -4644,41 +4644,13 @@
           <a:p>
             <a:r>
               <a:rPr lang="en-US" sz="2400" dirty="0" smtClean="0"/>
-              <a:t>Manually remove </a:t>
-            </a:r>
+              <a:t>Manually remove duplicates, fill in some missing data, fix wrong addresses.</a:t>
+            </a:r>
+          </a:p>
+          <a:p>
             <a:r>
               <a:rPr lang="en-US" sz="2400" dirty="0" smtClean="0"/>
-              <a:t>duplicates, </a:t>
-            </a:r>
-            <a:r>
-              <a:rPr lang="en-US" sz="2400" dirty="0" smtClean="0"/>
-              <a:t>fill </a:t>
-            </a:r>
-            <a:r>
-              <a:rPr lang="en-US" sz="2400" dirty="0" smtClean="0"/>
-              <a:t>in some missing </a:t>
-            </a:r>
-            <a:r>
-              <a:rPr lang="en-US" sz="2400" dirty="0" smtClean="0"/>
-              <a:t>data, fix </a:t>
-            </a:r>
-            <a:r>
-              <a:rPr lang="en-US" sz="2400" dirty="0" smtClean="0"/>
-              <a:t>wrong addresses.</a:t>
-            </a:r>
-          </a:p>
-          <a:p>
-            <a:r>
-              <a:rPr lang="en-US" sz="2400" dirty="0" smtClean="0"/>
-              <a:t>Get latitude </a:t>
-            </a:r>
-            <a:r>
-              <a:rPr lang="en-US" sz="2400" dirty="0" smtClean="0"/>
-              <a:t>and longitude data using Google map API</a:t>
-            </a:r>
-            <a:r>
-              <a:rPr lang="en-US" sz="2400" dirty="0" smtClean="0"/>
-              <a:t>.</a:t>
+              <a:t>Get latitude and longitude data using Google map API.</a:t>
             </a:r>
           </a:p>
           <a:p>
@@ -4845,19 +4817,7 @@
             </a:pPr>
             <a:r>
               <a:rPr lang="en-US" sz="2400" dirty="0" smtClean="0"/>
-              <a:t>Sample </a:t>
-            </a:r>
-            <a:r>
-              <a:rPr lang="en-US" sz="2400" dirty="0" smtClean="0"/>
-              <a:t>10% </a:t>
-            </a:r>
-            <a:r>
-              <a:rPr lang="en-US" sz="2400" dirty="0" smtClean="0"/>
-              <a:t>from </a:t>
-            </a:r>
-            <a:r>
-              <a:rPr lang="en-US" sz="2400" dirty="0" smtClean="0"/>
-              <a:t>all the banks data (sample.sql).</a:t>
+              <a:t>Sample 10% from all the banks data (sample.sql).</a:t>
             </a:r>
           </a:p>
           <a:p>
@@ -4867,29 +4827,8 @@
             </a:pPr>
             <a:r>
               <a:rPr lang="en-US" sz="2400" dirty="0" smtClean="0"/>
-              <a:t>From this sample, use </a:t>
-            </a:r>
-            <a:r>
-              <a:rPr lang="en-US" sz="2400" dirty="0" smtClean="0"/>
-              <a:t>algorithm to </a:t>
-            </a:r>
-            <a:r>
-              <a:rPr lang="en-US" sz="2400" dirty="0" smtClean="0"/>
-              <a:t>decide whether a bank is a </a:t>
-            </a:r>
-            <a:r>
-              <a:rPr lang="en-US" sz="2400" dirty="0" smtClean="0"/>
-              <a:t>potential target </a:t>
-            </a:r>
-            <a:r>
-              <a:rPr lang="en-US" sz="2400" dirty="0" smtClean="0"/>
-              <a:t>or not (target.py</a:t>
-            </a:r>
-            <a:r>
-              <a:rPr lang="en-US" sz="2400" dirty="0" smtClean="0"/>
-              <a:t>).</a:t>
-            </a:r>
-            <a:endParaRPr lang="en-US" sz="2400" dirty="0" smtClean="0"/>
+              <a:t>From this sample, use algorithm to decide whether a bank is a potential target or not (target.py).</a:t>
+            </a:r>
           </a:p>
           <a:p>
             <a:pPr lvl="1">
@@ -4898,21 +4837,8 @@
             </a:pPr>
             <a:r>
               <a:rPr lang="en-US" sz="2400" dirty="0" smtClean="0"/>
-              <a:t>Classify  </a:t>
-            </a:r>
-            <a:r>
-              <a:rPr lang="en-US" sz="2400" dirty="0" smtClean="0"/>
-              <a:t>group 1 </a:t>
-            </a:r>
-            <a:r>
-              <a:rPr lang="en-US" sz="2400" dirty="0" smtClean="0"/>
-              <a:t>– 5 based on </a:t>
-            </a:r>
-            <a:r>
-              <a:rPr lang="en-US" sz="2400" dirty="0" smtClean="0"/>
-              <a:t>$ take and probability of success.</a:t>
-            </a:r>
-            <a:endParaRPr lang="en-US" sz="2400" dirty="0" smtClean="0"/>
+              <a:t>Classify  group 1 – 5 based on $ take and probability of success.</a:t>
+            </a:r>
           </a:p>
           <a:p>
             <a:r>
@@ -4929,11 +4855,7 @@
           <a:p>
             <a:r>
               <a:rPr lang="en-US" sz="2200" dirty="0" smtClean="0"/>
-              <a:t>Police Response</a:t>
-            </a:r>
-            <a:r>
-              <a:rPr lang="en-US" sz="2200" dirty="0" smtClean="0"/>
-              <a:t>: </a:t>
+              <a:t>Police Response: </a:t>
             </a:r>
             <a:r>
               <a:rPr lang="en-US" sz="2200" b="1" dirty="0" smtClean="0"/>
@@ -4991,7 +4913,6 @@
               <a:rPr lang="en-US" sz="2200" b="1" dirty="0" smtClean="0"/>
               <a:t>)</a:t>
             </a:r>
-            <a:endParaRPr lang="en-US" sz="2200" b="1" dirty="0" smtClean="0"/>
           </a:p>
         </p:txBody>
       </p:sp>
@@ -5077,11 +4998,7 @@
           <a:p>
             <a:r>
               <a:rPr lang="en-US" sz="2400" dirty="0" smtClean="0"/>
-              <a:t>Supervised </a:t>
-            </a:r>
-            <a:r>
-              <a:rPr lang="en-US" sz="2400" dirty="0" smtClean="0"/>
-              <a:t>Model: modeling.ipynb</a:t>
+              <a:t>Supervised Model: modeling.ipynb</a:t>
             </a:r>
             <a:endParaRPr lang="en-US" sz="2400" dirty="0"/>
           </a:p>
@@ -5937,8 +5854,8 @@
               <a:buChar char="§"/>
             </a:pPr>
             <a:r>
-              <a:rPr lang="en-US" sz="2400" dirty="0" smtClean="0"/>
-              <a:t>Supervised learning is only as useful as the initial assumptions I made for this project.</a:t>
+              <a:rPr lang="en-US" sz="2400" dirty="0"/>
+              <a:t>Machine learning is the first step for bank security. </a:t>
             </a:r>
           </a:p>
           <a:p>
@@ -5948,8 +5865,31 @@
             </a:pPr>
             <a:r>
               <a:rPr lang="en-US" sz="2400" dirty="0" smtClean="0"/>
-              <a:t>Machine learning is the first step for bank security. </a:t>
-            </a:r>
+              <a:t>Supervised </a:t>
+            </a:r>
+            <a:r>
+              <a:rPr lang="en-US" sz="2400" dirty="0" smtClean="0"/>
+              <a:t>learning is only as useful as the initial assumptions I made for this project.</a:t>
+            </a:r>
+          </a:p>
+          <a:p>
+            <a:pPr lvl="1">
+              <a:buFont typeface="Wingdings" panose="05000000000000000000" pitchFamily="2" charset="2"/>
+              <a:buChar char="§"/>
+            </a:pPr>
+            <a:r>
+              <a:rPr lang="en-US" sz="2400" dirty="0" smtClean="0"/>
+              <a:t>Interesting project, </a:t>
+            </a:r>
+            <a:r>
+              <a:rPr lang="en-US" sz="2400" smtClean="0"/>
+              <a:t>but not </a:t>
+            </a:r>
+            <a:r>
+              <a:rPr lang="en-US" sz="2400" dirty="0" smtClean="0"/>
+              <a:t>very useful.</a:t>
+            </a:r>
+            <a:endParaRPr lang="en-US" sz="2400" dirty="0" smtClean="0"/>
           </a:p>
         </p:txBody>
       </p:sp>
@@ -6341,15 +6281,7 @@
           <a:p>
             <a:r>
               <a:rPr lang="en-US" dirty="0" smtClean="0"/>
-              <a:t>FBI </a:t>
-            </a:r>
-            <a:r>
-              <a:rPr lang="en-US" dirty="0" smtClean="0"/>
-              <a:t>Bank Crime Statistics </a:t>
-            </a:r>
-            <a:r>
-              <a:rPr lang="en-US" dirty="0" smtClean="0"/>
-              <a:t>2016</a:t>
+              <a:t>FBI Bank Crime Statistics 2016</a:t>
             </a:r>
             <a:endParaRPr lang="en-US" dirty="0"/>
           </a:p>
@@ -6388,23 +6320,7 @@
             </a:pPr>
             <a:r>
               <a:rPr lang="en-US" sz="2400" dirty="0" smtClean="0"/>
-              <a:t>Friday </a:t>
-            </a:r>
-            <a:r>
-              <a:rPr lang="en-US" sz="2400" dirty="0" smtClean="0"/>
-              <a:t>(913) is </a:t>
-            </a:r>
-            <a:r>
-              <a:rPr lang="en-US" sz="2400" dirty="0" smtClean="0"/>
-              <a:t>the day with the most frequent robberies, </a:t>
-            </a:r>
-            <a:r>
-              <a:rPr lang="en-US" sz="2400" dirty="0" smtClean="0"/>
-              <a:t>Sun (51) </a:t>
-            </a:r>
-            <a:r>
-              <a:rPr lang="en-US" sz="2400" dirty="0" smtClean="0"/>
-              <a:t>the least.</a:t>
+              <a:t>Friday (913) is the day with the most frequent robberies, Sun (51) the least.</a:t>
             </a:r>
           </a:p>
           <a:p>
@@ -6424,7 +6340,6 @@
               <a:rPr lang="en-US" sz="2400" dirty="0" smtClean="0"/>
               <a:t>caught</a:t>
             </a:r>
-            <a:endParaRPr lang="en-US" sz="2400" dirty="0" smtClean="0"/>
           </a:p>
           <a:p>
             <a:pPr lvl="1">
@@ -6433,11 +6348,7 @@
             </a:pPr>
             <a:r>
               <a:rPr lang="en-US" sz="2400" dirty="0" smtClean="0"/>
-              <a:t>177 out of 240 </a:t>
-            </a:r>
-            <a:r>
-              <a:rPr lang="en-US" sz="2400" dirty="0" smtClean="0"/>
-              <a:t>guards on duty during robbery.</a:t>
+              <a:t>177 out of 240 guards on duty during robbery.</a:t>
             </a:r>
           </a:p>
           <a:p>
@@ -6447,11 +6358,7 @@
             </a:pPr>
             <a:r>
               <a:rPr lang="en-US" sz="2400" dirty="0" smtClean="0"/>
-              <a:t>8 robbers injured (0.002%) out of 4251 robberies</a:t>
-            </a:r>
-            <a:r>
-              <a:rPr lang="en-US" sz="2400" dirty="0" smtClean="0"/>
-              <a:t>. Guard 2, Employee 23, Customer 9.</a:t>
+              <a:t>8 robbers injured (0.002%) out of 4251 robberies. Guard 2, Employee 23, Customer 9.</a:t>
             </a:r>
             <a:endParaRPr lang="en-US" sz="2400" dirty="0"/>
           </a:p>
@@ -6462,11 +6369,7 @@
             </a:pPr>
             <a:r>
               <a:rPr lang="en-US" sz="2400" dirty="0" smtClean="0"/>
-              <a:t>Most robberies: Texas (301), New York(371), California (462</a:t>
-            </a:r>
-            <a:r>
-              <a:rPr lang="en-US" sz="2400" dirty="0" smtClean="0"/>
-              <a:t>), Minnesota (58)</a:t>
+              <a:t>Most robberies: Texas (301), New York(371), California (462), Minnesota (58)</a:t>
             </a:r>
           </a:p>
           <a:p>

--- a/Which Banks To Rob.pptx
+++ b/Which Banks To Rob.pptx
@@ -5865,11 +5865,7 @@
             </a:pPr>
             <a:r>
               <a:rPr lang="en-US" sz="2400" dirty="0" smtClean="0"/>
-              <a:t>Supervised </a:t>
-            </a:r>
-            <a:r>
-              <a:rPr lang="en-US" sz="2400" dirty="0" smtClean="0"/>
-              <a:t>learning is only as useful as the initial assumptions I made for this project.</a:t>
+              <a:t>Supervised learning is only as useful as the initial assumptions I made for this project.</a:t>
             </a:r>
           </a:p>
           <a:p>
@@ -5889,7 +5885,6 @@
               <a:rPr lang="en-US" sz="2400" dirty="0" smtClean="0"/>
               <a:t>very useful.</a:t>
             </a:r>
-            <a:endParaRPr lang="en-US" sz="2400" dirty="0" smtClean="0"/>
           </a:p>
         </p:txBody>
       </p:sp>
@@ -6281,7 +6276,15 @@
           <a:p>
             <a:r>
               <a:rPr lang="en-US" dirty="0" smtClean="0"/>
-              <a:t>FBI Bank Crime Statistics 2016</a:t>
+              <a:t>Bank </a:t>
+            </a:r>
+            <a:r>
+              <a:rPr lang="en-US" dirty="0" smtClean="0"/>
+              <a:t>Crime </a:t>
+            </a:r>
+            <a:r>
+              <a:rPr lang="en-US" dirty="0" smtClean="0"/>
+              <a:t>Statistics</a:t>
             </a:r>
             <a:endParaRPr lang="en-US" dirty="0"/>
           </a:p>
@@ -6300,7 +6303,7 @@
         <p:spPr/>
         <p:txBody>
           <a:bodyPr>
-            <a:normAutofit/>
+            <a:normAutofit lnSpcReduction="10000"/>
           </a:bodyPr>
           <a:lstStyle/>
           <a:p>
@@ -6379,7 +6382,11 @@
             </a:pPr>
             <a:r>
               <a:rPr lang="en-US" sz="2400" dirty="0" smtClean="0"/>
-              <a:t>110 explosive devices used.</a:t>
+              <a:t>110 explosive devices used</a:t>
+            </a:r>
+            <a:r>
+              <a:rPr lang="en-US" sz="2400" dirty="0" smtClean="0"/>
+              <a:t>. 1001 firearms used (965 handguns).</a:t>
             </a:r>
           </a:p>
           <a:p>
@@ -6388,13 +6395,39 @@
               <a:buChar char="§"/>
             </a:pPr>
             <a:r>
+              <a:rPr lang="en-US" sz="2400" dirty="0" smtClean="0"/>
+              <a:t>Single robber US $4,210 average. UK $18,000. More robbers yield bigger $$$.</a:t>
+            </a:r>
+            <a:endParaRPr lang="en-US" sz="2400" dirty="0" smtClean="0"/>
+          </a:p>
+          <a:p>
+            <a:pPr lvl="1">
+              <a:buFont typeface="Wingdings" panose="05000000000000000000" pitchFamily="2" charset="2"/>
+              <a:buChar char="§"/>
+            </a:pPr>
+            <a:r>
+              <a:rPr lang="en-US" sz="2400" dirty="0" smtClean="0"/>
+              <a:t>Only 22</a:t>
+            </a:r>
+            <a:r>
               <a:rPr lang="en-US" sz="2400" dirty="0"/>
-              <a:t>22% of U.S. bank robberies where the cash was recovered (2010</a:t>
-            </a:r>
-            <a:r>
-              <a:rPr lang="en-US" sz="2400" dirty="0" smtClean="0"/>
-              <a:t>). Not an FBI data.</a:t>
-            </a:r>
+              <a:t>% of U.S. bank robberies where the cash </a:t>
+            </a:r>
+            <a:r>
+              <a:rPr lang="en-US" sz="2400"/>
+              <a:t>was </a:t>
+            </a:r>
+            <a:r>
+              <a:rPr lang="en-US" sz="2400" smtClean="0"/>
+              <a:t>recovered. </a:t>
+            </a:r>
+            <a:endParaRPr lang="en-US" sz="2400" dirty="0" smtClean="0"/>
+          </a:p>
+          <a:p>
+            <a:pPr lvl="1">
+              <a:buFont typeface="Wingdings" panose="05000000000000000000" pitchFamily="2" charset="2"/>
+              <a:buChar char="§"/>
+            </a:pPr>
             <a:endParaRPr lang="en-US" sz="2400" dirty="0"/>
           </a:p>
         </p:txBody>

--- a/Which Banks To Rob.pptx
+++ b/Which Banks To Rob.pptx
@@ -593,6 +593,90 @@
     <p:extLst>
       <p:ext uri="{BB962C8B-B14F-4D97-AF65-F5344CB8AC3E}">
         <p14:creationId xmlns:p14="http://schemas.microsoft.com/office/powerpoint/2010/main" val="49934659"/>
+      </p:ext>
+    </p:extLst>
+  </p:cSld>
+  <p:clrMapOvr>
+    <a:masterClrMapping/>
+  </p:clrMapOvr>
+</p:notes>
+</file>
+
+<file path=ppt/notesSlides/notesSlide2.xml><?xml version="1.0" encoding="utf-8"?>
+<p:notes xmlns:a="http://schemas.openxmlformats.org/drawingml/2006/main" xmlns:r="http://schemas.openxmlformats.org/officeDocument/2006/relationships" xmlns:p="http://schemas.openxmlformats.org/presentationml/2006/main">
+  <p:cSld>
+    <p:spTree>
+      <p:nvGrpSpPr>
+        <p:cNvPr id="1" name=""/>
+        <p:cNvGrpSpPr/>
+        <p:nvPr/>
+      </p:nvGrpSpPr>
+      <p:grpSpPr>
+        <a:xfrm>
+          <a:off x="0" y="0"/>
+          <a:ext cx="0" cy="0"/>
+          <a:chOff x="0" y="0"/>
+          <a:chExt cx="0" cy="0"/>
+        </a:xfrm>
+      </p:grpSpPr>
+      <p:sp>
+        <p:nvSpPr>
+          <p:cNvPr id="2" name="Slide Image Placeholder 1"/>
+          <p:cNvSpPr>
+            <a:spLocks noGrp="1" noRot="1" noChangeAspect="1"/>
+          </p:cNvSpPr>
+          <p:nvPr>
+            <p:ph type="sldImg"/>
+          </p:nvPr>
+        </p:nvSpPr>
+        <p:spPr/>
+      </p:sp>
+      <p:sp>
+        <p:nvSpPr>
+          <p:cNvPr id="3" name="Notes Placeholder 2"/>
+          <p:cNvSpPr>
+            <a:spLocks noGrp="1"/>
+          </p:cNvSpPr>
+          <p:nvPr>
+            <p:ph type="body" idx="1"/>
+          </p:nvPr>
+        </p:nvSpPr>
+        <p:spPr/>
+        <p:txBody>
+          <a:bodyPr/>
+          <a:lstStyle/>
+          <a:p>
+            <a:endParaRPr lang="en-US" dirty="0"/>
+          </a:p>
+        </p:txBody>
+      </p:sp>
+      <p:sp>
+        <p:nvSpPr>
+          <p:cNvPr id="4" name="Slide Number Placeholder 3"/>
+          <p:cNvSpPr>
+            <a:spLocks noGrp="1"/>
+          </p:cNvSpPr>
+          <p:nvPr>
+            <p:ph type="sldNum" sz="quarter" idx="10"/>
+          </p:nvPr>
+        </p:nvSpPr>
+        <p:spPr/>
+        <p:txBody>
+          <a:bodyPr/>
+          <a:lstStyle/>
+          <a:p>
+            <a:fld id="{033A75EC-E8A5-4EF8-B870-FB3FB721F84C}" type="slidenum">
+              <a:rPr lang="en-US" smtClean="0"/>
+              <a:t>14</a:t>
+            </a:fld>
+            <a:endParaRPr lang="en-US"/>
+          </a:p>
+        </p:txBody>
+      </p:sp>
+    </p:spTree>
+    <p:extLst>
+      <p:ext uri="{BB962C8B-B14F-4D97-AF65-F5344CB8AC3E}">
+        <p14:creationId xmlns:p14="http://schemas.microsoft.com/office/powerpoint/2010/main" val="4063123537"/>
       </p:ext>
     </p:extLst>
   </p:cSld>
@@ -5083,7 +5167,7 @@
           <p:nvPr/>
         </p:nvPicPr>
         <p:blipFill>
-          <a:blip r:embed="rId2">
+          <a:blip r:embed="rId3">
             <a:extLst>
               <a:ext uri="{28A0092B-C50C-407E-A947-70E740481C1C}">
                 <a14:useLocalDpi xmlns:a14="http://schemas.microsoft.com/office/drawing/2010/main" val="0"/>
@@ -5865,7 +5949,19 @@
             </a:pPr>
             <a:r>
               <a:rPr lang="en-US" sz="2400" dirty="0" smtClean="0"/>
-              <a:t>Supervised learning is only as useful as the initial assumptions I made for this project.</a:t>
+              <a:t>Supervised </a:t>
+            </a:r>
+            <a:r>
+              <a:rPr lang="en-US" sz="2400" dirty="0" smtClean="0"/>
+              <a:t>ML is </a:t>
+            </a:r>
+            <a:r>
+              <a:rPr lang="en-US" sz="2400" dirty="0" smtClean="0"/>
+              <a:t>only as useful as the initial assumptions I made for this project</a:t>
+            </a:r>
+            <a:r>
+              <a:rPr lang="en-US" sz="2400" dirty="0" smtClean="0"/>
+              <a:t>.</a:t>
             </a:r>
           </a:p>
           <a:p>
@@ -5875,16 +5971,9 @@
             </a:pPr>
             <a:r>
               <a:rPr lang="en-US" sz="2400" dirty="0" smtClean="0"/>
-              <a:t>Interesting project, </a:t>
-            </a:r>
-            <a:r>
-              <a:rPr lang="en-US" sz="2400" smtClean="0"/>
-              <a:t>but not </a:t>
-            </a:r>
-            <a:r>
-              <a:rPr lang="en-US" sz="2400" dirty="0" smtClean="0"/>
-              <a:t>very useful.</a:t>
-            </a:r>
+              <a:t>Unsupervised model is not useful in this project.</a:t>
+            </a:r>
+            <a:endParaRPr lang="en-US" sz="2400" dirty="0" smtClean="0"/>
           </a:p>
         </p:txBody>
       </p:sp>
@@ -6029,14 +6118,10 @@
             </a:pPr>
             <a:r>
               <a:rPr lang="en-US" sz="2400" dirty="0"/>
-              <a:t>Natural Language Processing </a:t>
-            </a:r>
-            <a:r>
-              <a:rPr lang="en-US" sz="2400"/>
-              <a:t>for </a:t>
-            </a:r>
-            <a:r>
-              <a:rPr lang="en-US" sz="2400" smtClean="0"/>
+              <a:t>Natural Language Processing for </a:t>
+            </a:r>
+            <a:r>
+              <a:rPr lang="en-US" sz="2400" dirty="0" smtClean="0"/>
               <a:t>reviews.</a:t>
             </a:r>
             <a:endParaRPr lang="en-US" sz="2400" dirty="0"/>
@@ -6066,8 +6151,23 @@
             </a:pPr>
             <a:r>
               <a:rPr lang="en-US" sz="2400" dirty="0"/>
-              <a:t>Traffic density and time.</a:t>
-            </a:r>
+              <a:t>Traffic density and time</a:t>
+            </a:r>
+            <a:r>
+              <a:rPr lang="en-US" sz="2400" dirty="0" smtClean="0"/>
+              <a:t>.</a:t>
+            </a:r>
+          </a:p>
+          <a:p>
+            <a:pPr lvl="1">
+              <a:buFont typeface="Wingdings" panose="05000000000000000000" pitchFamily="2" charset="2"/>
+              <a:buChar char="§"/>
+            </a:pPr>
+            <a:r>
+              <a:rPr lang="en-US" sz="2400" dirty="0" smtClean="0"/>
+              <a:t>Move DB to MySQL open source.</a:t>
+            </a:r>
+            <a:endParaRPr lang="en-US" sz="2400" dirty="0"/>
           </a:p>
           <a:p>
             <a:pPr lvl="1">
@@ -6276,15 +6376,7 @@
           <a:p>
             <a:r>
               <a:rPr lang="en-US" dirty="0" smtClean="0"/>
-              <a:t>Bank </a:t>
-            </a:r>
-            <a:r>
-              <a:rPr lang="en-US" dirty="0" smtClean="0"/>
-              <a:t>Crime </a:t>
-            </a:r>
-            <a:r>
-              <a:rPr lang="en-US" dirty="0" smtClean="0"/>
-              <a:t>Statistics</a:t>
+              <a:t>Bank Crime Statistics</a:t>
             </a:r>
             <a:endParaRPr lang="en-US" dirty="0"/>
           </a:p>
@@ -6382,11 +6474,7 @@
             </a:pPr>
             <a:r>
               <a:rPr lang="en-US" sz="2400" dirty="0" smtClean="0"/>
-              <a:t>110 explosive devices used</a:t>
-            </a:r>
-            <a:r>
-              <a:rPr lang="en-US" sz="2400" dirty="0" smtClean="0"/>
-              <a:t>. 1001 firearms used (965 handguns).</a:t>
+              <a:t>110 explosive devices used. 1001 firearms used (965 handguns).</a:t>
             </a:r>
           </a:p>
           <a:p>
@@ -6398,7 +6486,6 @@
               <a:rPr lang="en-US" sz="2400" dirty="0" smtClean="0"/>
               <a:t>Single robber US $4,210 average. UK $18,000. More robbers yield bigger $$$.</a:t>
             </a:r>
-            <a:endParaRPr lang="en-US" sz="2400" dirty="0" smtClean="0"/>
           </a:p>
           <a:p>
             <a:pPr lvl="1">
